--- a/DOCS/2015-06-20-for-Version 1.0/Studio project diagrams for document.pptx
+++ b/DOCS/2015-06-20-for-Version 1.0/Studio project diagrams for document.pptx
@@ -5,7 +5,7 @@
     <p:sldMasterId id="2147483654" r:id="rId1"/>
   </p:sldMasterIdLst>
   <p:notesMasterIdLst>
-    <p:notesMasterId r:id="rId15"/>
+    <p:notesMasterId r:id="rId16"/>
   </p:notesMasterIdLst>
   <p:sldIdLst>
     <p:sldId id="256" r:id="rId2"/>
@@ -21,6 +21,7 @@
     <p:sldId id="266" r:id="rId12"/>
     <p:sldId id="267" r:id="rId13"/>
     <p:sldId id="268" r:id="rId14"/>
+    <p:sldId id="269" r:id="rId15"/>
   </p:sldIdLst>
   <p:sldSz cx="9144000" cy="6858000" type="screen4x3"/>
   <p:notesSz cx="6858000" cy="9144000"/>
@@ -10926,11 +10927,7 @@
             </a:r>
             <a:r>
               <a:rPr lang="en-US" altLang="ko" sz="1000" dirty="0" smtClean="0"/>
-              <a:t> </a:t>
-            </a:r>
-            <a:r>
-              <a:rPr lang="en-US" altLang="ko" sz="1000" dirty="0" smtClean="0"/>
-              <a:t>by Event</a:t>
+              <a:t> by Event</a:t>
             </a:r>
             <a:endParaRPr lang="ko" sz="1000" dirty="0"/>
           </a:p>
@@ -12509,6 +12506,4969 @@
 </p:sld>
 </file>
 
+<file path=ppt/slides/slide14.xml><?xml version="1.0" encoding="utf-8"?>
+<p:sld xmlns:a="http://schemas.openxmlformats.org/drawingml/2006/main" xmlns:r="http://schemas.openxmlformats.org/officeDocument/2006/relationships" xmlns:p="http://schemas.openxmlformats.org/presentationml/2006/main">
+  <p:cSld>
+    <p:spTree>
+      <p:nvGrpSpPr>
+        <p:cNvPr id="1" name=""/>
+        <p:cNvGrpSpPr/>
+        <p:nvPr/>
+      </p:nvGrpSpPr>
+      <p:grpSpPr>
+        <a:xfrm>
+          <a:off x="0" y="0"/>
+          <a:ext cx="0" cy="0"/>
+          <a:chOff x="0" y="0"/>
+          <a:chExt cx="0" cy="0"/>
+        </a:xfrm>
+      </p:grpSpPr>
+      <p:sp>
+        <p:nvSpPr>
+          <p:cNvPr id="2" name="TextBox 1"/>
+          <p:cNvSpPr txBox="1"/>
+          <p:nvPr/>
+        </p:nvSpPr>
+        <p:spPr>
+          <a:xfrm>
+            <a:off x="5313040" y="5013176"/>
+            <a:ext cx="1944216" cy="246221"/>
+          </a:xfrm>
+          <a:prstGeom prst="rect">
+            <a:avLst/>
+          </a:prstGeom>
+          <a:solidFill>
+            <a:schemeClr val="bg1"/>
+          </a:solidFill>
+        </p:spPr>
+        <p:txBody>
+          <a:bodyPr wrap="square" rtlCol="0">
+            <a:spAutoFit/>
+          </a:bodyPr>
+          <a:lstStyle/>
+          <a:p>
+            <a:pPr algn="ctr"/>
+            <a:r>
+              <a:rPr lang="en-US" altLang="ko-KR" sz="1000" dirty="0" smtClean="0">
+                <a:solidFill>
+                  <a:schemeClr val="tx1">
+                    <a:lumMod val="50000"/>
+                    <a:lumOff val="50000"/>
+                  </a:schemeClr>
+                </a:solidFill>
+                <a:latin typeface="Arial" pitchFamily="34" charset="0"/>
+                <a:ea typeface="HY그래픽M" pitchFamily="18" charset="-127"/>
+                <a:cs typeface="Arial" pitchFamily="34" charset="0"/>
+              </a:rPr>
+              <a:t>Choose Node List</a:t>
+            </a:r>
+            <a:endParaRPr lang="ko-KR" altLang="en-US" sz="1000" dirty="0" smtClean="0">
+              <a:solidFill>
+                <a:schemeClr val="tx1">
+                  <a:lumMod val="50000"/>
+                  <a:lumOff val="50000"/>
+                </a:schemeClr>
+              </a:solidFill>
+              <a:latin typeface="Arial" pitchFamily="34" charset="0"/>
+              <a:ea typeface="HY그래픽M" pitchFamily="18" charset="-127"/>
+              <a:cs typeface="Arial" pitchFamily="34" charset="0"/>
+            </a:endParaRPr>
+          </a:p>
+        </p:txBody>
+      </p:sp>
+      <p:sp>
+        <p:nvSpPr>
+          <p:cNvPr id="3" name="TextBox 2"/>
+          <p:cNvSpPr txBox="1"/>
+          <p:nvPr/>
+        </p:nvSpPr>
+        <p:spPr>
+          <a:xfrm>
+            <a:off x="8049344" y="3172906"/>
+            <a:ext cx="801823" cy="400110"/>
+          </a:xfrm>
+          <a:prstGeom prst="rect">
+            <a:avLst/>
+          </a:prstGeom>
+          <a:solidFill>
+            <a:schemeClr val="bg1"/>
+          </a:solidFill>
+        </p:spPr>
+        <p:txBody>
+          <a:bodyPr wrap="none" rtlCol="0">
+            <a:spAutoFit/>
+          </a:bodyPr>
+          <a:lstStyle/>
+          <a:p>
+            <a:pPr algn="ctr"/>
+            <a:r>
+              <a:rPr lang="en-US" altLang="ko-KR" sz="1000" dirty="0" smtClean="0">
+                <a:solidFill>
+                  <a:schemeClr val="tx1">
+                    <a:lumMod val="50000"/>
+                    <a:lumOff val="50000"/>
+                  </a:schemeClr>
+                </a:solidFill>
+                <a:latin typeface="Arial" pitchFamily="34" charset="0"/>
+                <a:ea typeface="HY그래픽M" pitchFamily="18" charset="-127"/>
+                <a:cs typeface="Arial" pitchFamily="34" charset="0"/>
+              </a:rPr>
+              <a:t>Enter</a:t>
+            </a:r>
+          </a:p>
+          <a:p>
+            <a:pPr algn="ctr"/>
+            <a:r>
+              <a:rPr lang="en-US" altLang="ko-KR" sz="1000" dirty="0" smtClean="0">
+                <a:solidFill>
+                  <a:schemeClr val="tx1">
+                    <a:lumMod val="50000"/>
+                    <a:lumOff val="50000"/>
+                  </a:schemeClr>
+                </a:solidFill>
+                <a:latin typeface="Arial" pitchFamily="34" charset="0"/>
+                <a:ea typeface="HY그래픽M" pitchFamily="18" charset="-127"/>
+                <a:cs typeface="Arial" pitchFamily="34" charset="0"/>
+              </a:rPr>
+              <a:t>New Value</a:t>
+            </a:r>
+            <a:endParaRPr lang="ko-KR" altLang="en-US" sz="1000" dirty="0" smtClean="0">
+              <a:solidFill>
+                <a:schemeClr val="tx1">
+                  <a:lumMod val="50000"/>
+                  <a:lumOff val="50000"/>
+                </a:schemeClr>
+              </a:solidFill>
+              <a:latin typeface="Arial" pitchFamily="34" charset="0"/>
+              <a:ea typeface="HY그래픽M" pitchFamily="18" charset="-127"/>
+              <a:cs typeface="Arial" pitchFamily="34" charset="0"/>
+            </a:endParaRPr>
+          </a:p>
+        </p:txBody>
+      </p:sp>
+      <p:sp>
+        <p:nvSpPr>
+          <p:cNvPr id="4" name="TextBox 3"/>
+          <p:cNvSpPr txBox="1"/>
+          <p:nvPr/>
+        </p:nvSpPr>
+        <p:spPr>
+          <a:xfrm>
+            <a:off x="4808984" y="1702549"/>
+            <a:ext cx="1944216" cy="246221"/>
+          </a:xfrm>
+          <a:prstGeom prst="rect">
+            <a:avLst/>
+          </a:prstGeom>
+          <a:solidFill>
+            <a:schemeClr val="bg1"/>
+          </a:solidFill>
+        </p:spPr>
+        <p:txBody>
+          <a:bodyPr wrap="square" rtlCol="0">
+            <a:spAutoFit/>
+          </a:bodyPr>
+          <a:lstStyle/>
+          <a:p>
+            <a:pPr algn="ctr"/>
+            <a:r>
+              <a:rPr lang="en-US" altLang="ko-KR" sz="1000" dirty="0" smtClean="0">
+                <a:solidFill>
+                  <a:schemeClr val="tx1">
+                    <a:lumMod val="50000"/>
+                    <a:lumOff val="50000"/>
+                  </a:schemeClr>
+                </a:solidFill>
+                <a:latin typeface="Arial" pitchFamily="34" charset="0"/>
+                <a:ea typeface="HY그래픽M" pitchFamily="18" charset="-127"/>
+                <a:cs typeface="Arial" pitchFamily="34" charset="0"/>
+              </a:rPr>
+              <a:t>Choose Node List</a:t>
+            </a:r>
+            <a:endParaRPr lang="ko-KR" altLang="en-US" sz="1000" dirty="0" smtClean="0">
+              <a:solidFill>
+                <a:schemeClr val="tx1">
+                  <a:lumMod val="50000"/>
+                  <a:lumOff val="50000"/>
+                </a:schemeClr>
+              </a:solidFill>
+              <a:latin typeface="Arial" pitchFamily="34" charset="0"/>
+              <a:ea typeface="HY그래픽M" pitchFamily="18" charset="-127"/>
+              <a:cs typeface="Arial" pitchFamily="34" charset="0"/>
+            </a:endParaRPr>
+          </a:p>
+        </p:txBody>
+      </p:sp>
+      <p:sp>
+        <p:nvSpPr>
+          <p:cNvPr id="5" name="TextBox 4"/>
+          <p:cNvSpPr txBox="1"/>
+          <p:nvPr/>
+        </p:nvSpPr>
+        <p:spPr>
+          <a:xfrm>
+            <a:off x="5745088" y="3460938"/>
+            <a:ext cx="688009" cy="400110"/>
+          </a:xfrm>
+          <a:prstGeom prst="rect">
+            <a:avLst/>
+          </a:prstGeom>
+          <a:solidFill>
+            <a:schemeClr val="bg1"/>
+          </a:solidFill>
+        </p:spPr>
+        <p:txBody>
+          <a:bodyPr wrap="none" rtlCol="0">
+            <a:spAutoFit/>
+          </a:bodyPr>
+          <a:lstStyle/>
+          <a:p>
+            <a:pPr algn="ctr"/>
+            <a:r>
+              <a:rPr lang="en-US" altLang="ko-KR" sz="1000" dirty="0" smtClean="0">
+                <a:solidFill>
+                  <a:schemeClr val="tx1">
+                    <a:lumMod val="50000"/>
+                    <a:lumOff val="50000"/>
+                  </a:schemeClr>
+                </a:solidFill>
+                <a:latin typeface="Arial" pitchFamily="34" charset="0"/>
+                <a:ea typeface="HY그래픽M" pitchFamily="18" charset="-127"/>
+                <a:cs typeface="Arial" pitchFamily="34" charset="0"/>
+              </a:rPr>
+              <a:t>Choose</a:t>
+            </a:r>
+          </a:p>
+          <a:p>
+            <a:pPr algn="ctr"/>
+            <a:r>
+              <a:rPr lang="en-US" altLang="ko-KR" sz="1000" dirty="0" smtClean="0">
+                <a:solidFill>
+                  <a:schemeClr val="tx1">
+                    <a:lumMod val="50000"/>
+                    <a:lumOff val="50000"/>
+                  </a:schemeClr>
+                </a:solidFill>
+                <a:latin typeface="Arial" pitchFamily="34" charset="0"/>
+                <a:ea typeface="HY그래픽M" pitchFamily="18" charset="-127"/>
+                <a:cs typeface="Arial" pitchFamily="34" charset="0"/>
+              </a:rPr>
+              <a:t>Log view</a:t>
+            </a:r>
+            <a:endParaRPr lang="ko-KR" altLang="en-US" sz="1000" dirty="0" smtClean="0">
+              <a:solidFill>
+                <a:schemeClr val="tx1">
+                  <a:lumMod val="50000"/>
+                  <a:lumOff val="50000"/>
+                </a:schemeClr>
+              </a:solidFill>
+              <a:latin typeface="Arial" pitchFamily="34" charset="0"/>
+              <a:ea typeface="HY그래픽M" pitchFamily="18" charset="-127"/>
+              <a:cs typeface="Arial" pitchFamily="34" charset="0"/>
+            </a:endParaRPr>
+          </a:p>
+        </p:txBody>
+      </p:sp>
+      <p:sp>
+        <p:nvSpPr>
+          <p:cNvPr id="6" name="TextBox 5"/>
+          <p:cNvSpPr txBox="1"/>
+          <p:nvPr/>
+        </p:nvSpPr>
+        <p:spPr>
+          <a:xfrm>
+            <a:off x="4362658" y="3460938"/>
+            <a:ext cx="623889" cy="400110"/>
+          </a:xfrm>
+          <a:prstGeom prst="rect">
+            <a:avLst/>
+          </a:prstGeom>
+          <a:solidFill>
+            <a:schemeClr val="bg1"/>
+          </a:solidFill>
+        </p:spPr>
+        <p:txBody>
+          <a:bodyPr wrap="none" rtlCol="0">
+            <a:spAutoFit/>
+          </a:bodyPr>
+          <a:lstStyle/>
+          <a:p>
+            <a:pPr algn="ctr"/>
+            <a:r>
+              <a:rPr lang="en-US" altLang="ko-KR" sz="1000" dirty="0" smtClean="0">
+                <a:solidFill>
+                  <a:schemeClr val="tx1">
+                    <a:lumMod val="50000"/>
+                    <a:lumOff val="50000"/>
+                  </a:schemeClr>
+                </a:solidFill>
+                <a:latin typeface="Arial" pitchFamily="34" charset="0"/>
+                <a:ea typeface="HY그래픽M" pitchFamily="18" charset="-127"/>
+                <a:cs typeface="Arial" pitchFamily="34" charset="0"/>
+              </a:rPr>
+              <a:t>Choose</a:t>
+            </a:r>
+          </a:p>
+          <a:p>
+            <a:pPr algn="ctr"/>
+            <a:r>
+              <a:rPr lang="en-US" altLang="ko-KR" sz="1000" dirty="0" smtClean="0">
+                <a:solidFill>
+                  <a:schemeClr val="tx1">
+                    <a:lumMod val="50000"/>
+                    <a:lumOff val="50000"/>
+                  </a:schemeClr>
+                </a:solidFill>
+                <a:latin typeface="Arial" pitchFamily="34" charset="0"/>
+                <a:ea typeface="HY그래픽M" pitchFamily="18" charset="-127"/>
+                <a:cs typeface="Arial" pitchFamily="34" charset="0"/>
+              </a:rPr>
+              <a:t>Config</a:t>
+            </a:r>
+            <a:endParaRPr lang="ko-KR" altLang="en-US" sz="1000" dirty="0" smtClean="0">
+              <a:solidFill>
+                <a:schemeClr val="tx1">
+                  <a:lumMod val="50000"/>
+                  <a:lumOff val="50000"/>
+                </a:schemeClr>
+              </a:solidFill>
+              <a:latin typeface="Arial" pitchFamily="34" charset="0"/>
+              <a:ea typeface="HY그래픽M" pitchFamily="18" charset="-127"/>
+              <a:cs typeface="Arial" pitchFamily="34" charset="0"/>
+            </a:endParaRPr>
+          </a:p>
+        </p:txBody>
+      </p:sp>
+      <p:sp>
+        <p:nvSpPr>
+          <p:cNvPr id="7" name="TextBox 6"/>
+          <p:cNvSpPr txBox="1"/>
+          <p:nvPr/>
+        </p:nvSpPr>
+        <p:spPr>
+          <a:xfrm>
+            <a:off x="2266273" y="2196732"/>
+            <a:ext cx="742511" cy="400110"/>
+          </a:xfrm>
+          <a:prstGeom prst="rect">
+            <a:avLst/>
+          </a:prstGeom>
+          <a:solidFill>
+            <a:schemeClr val="bg1"/>
+          </a:solidFill>
+        </p:spPr>
+        <p:txBody>
+          <a:bodyPr wrap="square" rtlCol="0">
+            <a:spAutoFit/>
+          </a:bodyPr>
+          <a:lstStyle/>
+          <a:p>
+            <a:pPr algn="ctr"/>
+            <a:r>
+              <a:rPr lang="en-US" altLang="ko-KR" sz="1000" dirty="0" smtClean="0">
+                <a:solidFill>
+                  <a:schemeClr val="tx1">
+                    <a:lumMod val="50000"/>
+                    <a:lumOff val="50000"/>
+                  </a:schemeClr>
+                </a:solidFill>
+                <a:latin typeface="Arial" pitchFamily="34" charset="0"/>
+                <a:ea typeface="HY그래픽M" pitchFamily="18" charset="-127"/>
+                <a:cs typeface="Arial" pitchFamily="34" charset="0"/>
+              </a:rPr>
+              <a:t>Enter</a:t>
+            </a:r>
+          </a:p>
+          <a:p>
+            <a:pPr algn="ctr"/>
+            <a:r>
+              <a:rPr lang="en-US" altLang="ko-KR" sz="1000" dirty="0" smtClean="0">
+                <a:solidFill>
+                  <a:schemeClr val="tx1">
+                    <a:lumMod val="50000"/>
+                    <a:lumOff val="50000"/>
+                  </a:schemeClr>
+                </a:solidFill>
+                <a:latin typeface="Arial" pitchFamily="34" charset="0"/>
+                <a:ea typeface="HY그래픽M" pitchFamily="18" charset="-127"/>
+                <a:cs typeface="Arial" pitchFamily="34" charset="0"/>
+              </a:rPr>
+              <a:t>Login Info</a:t>
+            </a:r>
+            <a:endParaRPr lang="ko-KR" altLang="en-US" sz="1000" dirty="0" smtClean="0">
+              <a:solidFill>
+                <a:schemeClr val="tx1">
+                  <a:lumMod val="50000"/>
+                  <a:lumOff val="50000"/>
+                </a:schemeClr>
+              </a:solidFill>
+              <a:latin typeface="Arial" pitchFamily="34" charset="0"/>
+              <a:ea typeface="HY그래픽M" pitchFamily="18" charset="-127"/>
+              <a:cs typeface="Arial" pitchFamily="34" charset="0"/>
+            </a:endParaRPr>
+          </a:p>
+        </p:txBody>
+      </p:sp>
+      <p:sp>
+        <p:nvSpPr>
+          <p:cNvPr id="8" name="TextBox 7"/>
+          <p:cNvSpPr txBox="1"/>
+          <p:nvPr/>
+        </p:nvSpPr>
+        <p:spPr>
+          <a:xfrm>
+            <a:off x="776536" y="3100898"/>
+            <a:ext cx="630301" cy="553998"/>
+          </a:xfrm>
+          <a:prstGeom prst="rect">
+            <a:avLst/>
+          </a:prstGeom>
+          <a:solidFill>
+            <a:schemeClr val="bg1"/>
+          </a:solidFill>
+        </p:spPr>
+        <p:txBody>
+          <a:bodyPr wrap="none" rtlCol="0">
+            <a:spAutoFit/>
+          </a:bodyPr>
+          <a:lstStyle/>
+          <a:p>
+            <a:pPr algn="ctr"/>
+            <a:r>
+              <a:rPr lang="en-US" altLang="ko-KR" sz="1000" dirty="0" smtClean="0">
+                <a:solidFill>
+                  <a:schemeClr val="tx1">
+                    <a:lumMod val="50000"/>
+                    <a:lumOff val="50000"/>
+                  </a:schemeClr>
+                </a:solidFill>
+                <a:latin typeface="Arial" pitchFamily="34" charset="0"/>
+                <a:ea typeface="HY그래픽M" pitchFamily="18" charset="-127"/>
+                <a:cs typeface="Arial" pitchFamily="34" charset="0"/>
+              </a:rPr>
+              <a:t>Choose</a:t>
+            </a:r>
+          </a:p>
+          <a:p>
+            <a:pPr algn="ctr"/>
+            <a:r>
+              <a:rPr lang="en-US" altLang="ko-KR" sz="1000" dirty="0" smtClean="0">
+                <a:solidFill>
+                  <a:schemeClr val="tx1">
+                    <a:lumMod val="50000"/>
+                    <a:lumOff val="50000"/>
+                  </a:schemeClr>
+                </a:solidFill>
+                <a:latin typeface="Arial" pitchFamily="34" charset="0"/>
+                <a:ea typeface="HY그래픽M" pitchFamily="18" charset="-127"/>
+                <a:cs typeface="Arial" pitchFamily="34" charset="0"/>
+              </a:rPr>
+              <a:t>Make</a:t>
+            </a:r>
+          </a:p>
+          <a:p>
+            <a:pPr algn="ctr"/>
+            <a:r>
+              <a:rPr lang="en-US" altLang="ko-KR" sz="1000" dirty="0" smtClean="0">
+                <a:solidFill>
+                  <a:schemeClr val="tx1">
+                    <a:lumMod val="50000"/>
+                    <a:lumOff val="50000"/>
+                  </a:schemeClr>
+                </a:solidFill>
+                <a:latin typeface="Arial" pitchFamily="34" charset="0"/>
+                <a:ea typeface="HY그래픽M" pitchFamily="18" charset="-127"/>
+                <a:cs typeface="Arial" pitchFamily="34" charset="0"/>
+              </a:rPr>
+              <a:t>account</a:t>
+            </a:r>
+            <a:endParaRPr lang="ko-KR" altLang="en-US" sz="1000" dirty="0" smtClean="0">
+              <a:solidFill>
+                <a:schemeClr val="tx1">
+                  <a:lumMod val="50000"/>
+                  <a:lumOff val="50000"/>
+                </a:schemeClr>
+              </a:solidFill>
+              <a:latin typeface="Arial" pitchFamily="34" charset="0"/>
+              <a:ea typeface="HY그래픽M" pitchFamily="18" charset="-127"/>
+              <a:cs typeface="Arial" pitchFamily="34" charset="0"/>
+            </a:endParaRPr>
+          </a:p>
+        </p:txBody>
+      </p:sp>
+      <p:sp>
+        <p:nvSpPr>
+          <p:cNvPr id="9" name="TextBox 8"/>
+          <p:cNvSpPr txBox="1"/>
+          <p:nvPr/>
+        </p:nvSpPr>
+        <p:spPr>
+          <a:xfrm>
+            <a:off x="4332179" y="2124724"/>
+            <a:ext cx="671979" cy="400110"/>
+          </a:xfrm>
+          <a:prstGeom prst="rect">
+            <a:avLst/>
+          </a:prstGeom>
+          <a:solidFill>
+            <a:schemeClr val="bg1"/>
+          </a:solidFill>
+        </p:spPr>
+        <p:txBody>
+          <a:bodyPr wrap="none" rtlCol="0">
+            <a:spAutoFit/>
+          </a:bodyPr>
+          <a:lstStyle/>
+          <a:p>
+            <a:pPr algn="ctr"/>
+            <a:r>
+              <a:rPr lang="en-US" altLang="ko-KR" sz="1000" dirty="0" smtClean="0">
+                <a:solidFill>
+                  <a:schemeClr val="tx1">
+                    <a:lumMod val="50000"/>
+                    <a:lumOff val="50000"/>
+                  </a:schemeClr>
+                </a:solidFill>
+                <a:latin typeface="Arial" pitchFamily="34" charset="0"/>
+                <a:ea typeface="HY그래픽M" pitchFamily="18" charset="-127"/>
+                <a:cs typeface="Arial" pitchFamily="34" charset="0"/>
+              </a:rPr>
+              <a:t>Choose</a:t>
+            </a:r>
+          </a:p>
+          <a:p>
+            <a:pPr algn="ctr"/>
+            <a:r>
+              <a:rPr lang="en-US" altLang="ko-KR" sz="1000" dirty="0" smtClean="0">
+                <a:solidFill>
+                  <a:schemeClr val="tx1">
+                    <a:lumMod val="50000"/>
+                    <a:lumOff val="50000"/>
+                  </a:schemeClr>
+                </a:solidFill>
+                <a:latin typeface="Arial" pitchFamily="34" charset="0"/>
+                <a:ea typeface="HY그래픽M" pitchFamily="18" charset="-127"/>
+                <a:cs typeface="Arial" pitchFamily="34" charset="0"/>
+              </a:rPr>
+              <a:t>SA node</a:t>
+            </a:r>
+            <a:endParaRPr lang="ko-KR" altLang="en-US" sz="1000" dirty="0" smtClean="0">
+              <a:solidFill>
+                <a:schemeClr val="tx1">
+                  <a:lumMod val="50000"/>
+                  <a:lumOff val="50000"/>
+                </a:schemeClr>
+              </a:solidFill>
+              <a:latin typeface="Arial" pitchFamily="34" charset="0"/>
+              <a:ea typeface="HY그래픽M" pitchFamily="18" charset="-127"/>
+              <a:cs typeface="Arial" pitchFamily="34" charset="0"/>
+            </a:endParaRPr>
+          </a:p>
+        </p:txBody>
+      </p:sp>
+      <p:sp>
+        <p:nvSpPr>
+          <p:cNvPr id="10" name="TextBox 9"/>
+          <p:cNvSpPr txBox="1"/>
+          <p:nvPr/>
+        </p:nvSpPr>
+        <p:spPr>
+          <a:xfrm>
+            <a:off x="4333782" y="2668850"/>
+            <a:ext cx="723275" cy="400110"/>
+          </a:xfrm>
+          <a:prstGeom prst="rect">
+            <a:avLst/>
+          </a:prstGeom>
+          <a:solidFill>
+            <a:schemeClr val="bg1"/>
+          </a:solidFill>
+        </p:spPr>
+        <p:txBody>
+          <a:bodyPr wrap="none" rtlCol="0">
+            <a:spAutoFit/>
+          </a:bodyPr>
+          <a:lstStyle/>
+          <a:p>
+            <a:pPr algn="ctr"/>
+            <a:r>
+              <a:rPr lang="en-US" altLang="ko-KR" sz="1000" dirty="0" smtClean="0">
+                <a:solidFill>
+                  <a:schemeClr val="tx1">
+                    <a:lumMod val="50000"/>
+                    <a:lumOff val="50000"/>
+                  </a:schemeClr>
+                </a:solidFill>
+                <a:latin typeface="Arial" pitchFamily="34" charset="0"/>
+                <a:ea typeface="HY그래픽M" pitchFamily="18" charset="-127"/>
+                <a:cs typeface="Arial" pitchFamily="34" charset="0"/>
+              </a:rPr>
+              <a:t>Choose</a:t>
+            </a:r>
+          </a:p>
+          <a:p>
+            <a:pPr algn="ctr"/>
+            <a:r>
+              <a:rPr lang="en-US" altLang="ko-KR" sz="1000" dirty="0" smtClean="0">
+                <a:solidFill>
+                  <a:schemeClr val="tx1">
+                    <a:lumMod val="50000"/>
+                    <a:lumOff val="50000"/>
+                  </a:schemeClr>
+                </a:solidFill>
+                <a:latin typeface="Arial" pitchFamily="34" charset="0"/>
+                <a:ea typeface="HY그래픽M" pitchFamily="18" charset="-127"/>
+                <a:cs typeface="Arial" pitchFamily="34" charset="0"/>
+              </a:rPr>
+              <a:t>Node List</a:t>
+            </a:r>
+            <a:endParaRPr lang="ko-KR" altLang="en-US" sz="1000" dirty="0" smtClean="0">
+              <a:solidFill>
+                <a:schemeClr val="tx1">
+                  <a:lumMod val="50000"/>
+                  <a:lumOff val="50000"/>
+                </a:schemeClr>
+              </a:solidFill>
+              <a:latin typeface="Arial" pitchFamily="34" charset="0"/>
+              <a:ea typeface="HY그래픽M" pitchFamily="18" charset="-127"/>
+              <a:cs typeface="Arial" pitchFamily="34" charset="0"/>
+            </a:endParaRPr>
+          </a:p>
+        </p:txBody>
+      </p:sp>
+      <p:sp>
+        <p:nvSpPr>
+          <p:cNvPr id="11" name="TextBox 10"/>
+          <p:cNvSpPr txBox="1"/>
+          <p:nvPr/>
+        </p:nvSpPr>
+        <p:spPr>
+          <a:xfrm>
+            <a:off x="2720752" y="3460938"/>
+            <a:ext cx="837089" cy="400110"/>
+          </a:xfrm>
+          <a:prstGeom prst="rect">
+            <a:avLst/>
+          </a:prstGeom>
+          <a:solidFill>
+            <a:schemeClr val="bg1"/>
+          </a:solidFill>
+        </p:spPr>
+        <p:txBody>
+          <a:bodyPr wrap="none" rtlCol="0">
+            <a:spAutoFit/>
+          </a:bodyPr>
+          <a:lstStyle/>
+          <a:p>
+            <a:pPr algn="ctr"/>
+            <a:r>
+              <a:rPr lang="en-US" altLang="ko-KR" sz="1000" dirty="0" smtClean="0">
+                <a:solidFill>
+                  <a:schemeClr val="tx1">
+                    <a:lumMod val="50000"/>
+                    <a:lumOff val="50000"/>
+                  </a:schemeClr>
+                </a:solidFill>
+                <a:latin typeface="Arial" pitchFamily="34" charset="0"/>
+                <a:ea typeface="HY그래픽M" pitchFamily="18" charset="-127"/>
+                <a:cs typeface="Arial" pitchFamily="34" charset="0"/>
+              </a:rPr>
+              <a:t>Choose</a:t>
+            </a:r>
+          </a:p>
+          <a:p>
+            <a:pPr algn="ctr"/>
+            <a:r>
+              <a:rPr lang="en-US" altLang="ko-KR" sz="1000" dirty="0" smtClean="0">
+                <a:solidFill>
+                  <a:schemeClr val="tx1">
+                    <a:lumMod val="50000"/>
+                    <a:lumOff val="50000"/>
+                  </a:schemeClr>
+                </a:solidFill>
+                <a:latin typeface="Arial" pitchFamily="34" charset="0"/>
+                <a:ea typeface="HY그래픽M" pitchFamily="18" charset="-127"/>
+                <a:cs typeface="Arial" pitchFamily="34" charset="0"/>
+              </a:rPr>
+              <a:t>Reg./Unreg</a:t>
+            </a:r>
+            <a:endParaRPr lang="ko-KR" altLang="en-US" sz="1000" dirty="0" smtClean="0">
+              <a:solidFill>
+                <a:schemeClr val="tx1">
+                  <a:lumMod val="50000"/>
+                  <a:lumOff val="50000"/>
+                </a:schemeClr>
+              </a:solidFill>
+              <a:latin typeface="Arial" pitchFamily="34" charset="0"/>
+              <a:ea typeface="HY그래픽M" pitchFamily="18" charset="-127"/>
+              <a:cs typeface="Arial" pitchFamily="34" charset="0"/>
+            </a:endParaRPr>
+          </a:p>
+        </p:txBody>
+      </p:sp>
+      <p:sp>
+        <p:nvSpPr>
+          <p:cNvPr id="12" name="TextBox 11"/>
+          <p:cNvSpPr txBox="1"/>
+          <p:nvPr/>
+        </p:nvSpPr>
+        <p:spPr>
+          <a:xfrm>
+            <a:off x="6429238" y="2124724"/>
+            <a:ext cx="659155" cy="400110"/>
+          </a:xfrm>
+          <a:prstGeom prst="rect">
+            <a:avLst/>
+          </a:prstGeom>
+          <a:solidFill>
+            <a:schemeClr val="bg1"/>
+          </a:solidFill>
+        </p:spPr>
+        <p:txBody>
+          <a:bodyPr wrap="none" rtlCol="0">
+            <a:spAutoFit/>
+          </a:bodyPr>
+          <a:lstStyle/>
+          <a:p>
+            <a:pPr algn="ctr"/>
+            <a:r>
+              <a:rPr lang="en-US" altLang="ko-KR" sz="1000" dirty="0" smtClean="0">
+                <a:solidFill>
+                  <a:schemeClr val="tx1">
+                    <a:lumMod val="50000"/>
+                    <a:lumOff val="50000"/>
+                  </a:schemeClr>
+                </a:solidFill>
+                <a:latin typeface="Arial" pitchFamily="34" charset="0"/>
+                <a:ea typeface="HY그래픽M" pitchFamily="18" charset="-127"/>
+                <a:cs typeface="Arial" pitchFamily="34" charset="0"/>
+              </a:rPr>
+              <a:t>Choose</a:t>
+            </a:r>
+          </a:p>
+          <a:p>
+            <a:pPr algn="ctr"/>
+            <a:r>
+              <a:rPr lang="en-US" altLang="ko-KR" sz="1000" dirty="0" smtClean="0">
+                <a:solidFill>
+                  <a:schemeClr val="tx1">
+                    <a:lumMod val="50000"/>
+                    <a:lumOff val="50000"/>
+                  </a:schemeClr>
+                </a:solidFill>
+                <a:latin typeface="Arial" pitchFamily="34" charset="0"/>
+                <a:ea typeface="HY그래픽M" pitchFamily="18" charset="-127"/>
+                <a:cs typeface="Arial" pitchFamily="34" charset="0"/>
+              </a:rPr>
+              <a:t>Actuator</a:t>
+            </a:r>
+            <a:endParaRPr lang="ko-KR" altLang="en-US" sz="1000" dirty="0" smtClean="0">
+              <a:solidFill>
+                <a:schemeClr val="tx1">
+                  <a:lumMod val="50000"/>
+                  <a:lumOff val="50000"/>
+                </a:schemeClr>
+              </a:solidFill>
+              <a:latin typeface="Arial" pitchFamily="34" charset="0"/>
+              <a:ea typeface="HY그래픽M" pitchFamily="18" charset="-127"/>
+              <a:cs typeface="Arial" pitchFamily="34" charset="0"/>
+            </a:endParaRPr>
+          </a:p>
+        </p:txBody>
+      </p:sp>
+      <p:sp>
+        <p:nvSpPr>
+          <p:cNvPr id="13" name="TextBox 12"/>
+          <p:cNvSpPr txBox="1"/>
+          <p:nvPr/>
+        </p:nvSpPr>
+        <p:spPr>
+          <a:xfrm>
+            <a:off x="6358822" y="2668850"/>
+            <a:ext cx="885179" cy="400110"/>
+          </a:xfrm>
+          <a:prstGeom prst="rect">
+            <a:avLst/>
+          </a:prstGeom>
+          <a:solidFill>
+            <a:schemeClr val="bg1"/>
+          </a:solidFill>
+        </p:spPr>
+        <p:txBody>
+          <a:bodyPr wrap="none" rtlCol="0">
+            <a:spAutoFit/>
+          </a:bodyPr>
+          <a:lstStyle/>
+          <a:p>
+            <a:pPr algn="ctr"/>
+            <a:r>
+              <a:rPr lang="en-US" altLang="ko-KR" sz="1000" dirty="0" smtClean="0">
+                <a:solidFill>
+                  <a:schemeClr val="tx1">
+                    <a:lumMod val="50000"/>
+                    <a:lumOff val="50000"/>
+                  </a:schemeClr>
+                </a:solidFill>
+                <a:latin typeface="Arial" pitchFamily="34" charset="0"/>
+                <a:ea typeface="HY그래픽M" pitchFamily="18" charset="-127"/>
+                <a:cs typeface="Arial" pitchFamily="34" charset="0"/>
+              </a:rPr>
+              <a:t>Choose</a:t>
+            </a:r>
+          </a:p>
+          <a:p>
+            <a:pPr algn="ctr"/>
+            <a:r>
+              <a:rPr lang="en-US" altLang="ko-KR" sz="1000" dirty="0" smtClean="0">
+                <a:solidFill>
+                  <a:schemeClr val="tx1">
+                    <a:lumMod val="50000"/>
+                    <a:lumOff val="50000"/>
+                  </a:schemeClr>
+                </a:solidFill>
+                <a:latin typeface="Arial" pitchFamily="34" charset="0"/>
+                <a:ea typeface="HY그래픽M" pitchFamily="18" charset="-127"/>
+                <a:cs typeface="Arial" pitchFamily="34" charset="0"/>
+              </a:rPr>
+              <a:t>Node Status</a:t>
+            </a:r>
+            <a:endParaRPr lang="ko-KR" altLang="en-US" sz="1000" dirty="0" smtClean="0">
+              <a:solidFill>
+                <a:schemeClr val="tx1">
+                  <a:lumMod val="50000"/>
+                  <a:lumOff val="50000"/>
+                </a:schemeClr>
+              </a:solidFill>
+              <a:latin typeface="Arial" pitchFamily="34" charset="0"/>
+              <a:ea typeface="HY그래픽M" pitchFamily="18" charset="-127"/>
+              <a:cs typeface="Arial" pitchFamily="34" charset="0"/>
+            </a:endParaRPr>
+          </a:p>
+        </p:txBody>
+      </p:sp>
+      <p:sp>
+        <p:nvSpPr>
+          <p:cNvPr id="14" name="제목 1"/>
+          <p:cNvSpPr txBox="1">
+            <a:spLocks/>
+          </p:cNvSpPr>
+          <p:nvPr/>
+        </p:nvSpPr>
+        <p:spPr>
+          <a:xfrm>
+            <a:off x="260940" y="116632"/>
+            <a:ext cx="9384120" cy="634082"/>
+          </a:xfrm>
+          <a:prstGeom prst="rect">
+            <a:avLst/>
+          </a:prstGeom>
+        </p:spPr>
+        <p:txBody>
+          <a:bodyPr/>
+          <a:lstStyle>
+            <a:defPPr marR="0" algn="l" rtl="0">
+              <a:lnSpc>
+                <a:spcPct val="100000"/>
+              </a:lnSpc>
+              <a:spcBef>
+                <a:spcPts val="0"/>
+              </a:spcBef>
+              <a:spcAft>
+                <a:spcPts val="0"/>
+              </a:spcAft>
+            </a:defPPr>
+            <a:lvl1pPr marR="0" algn="l" rtl="0">
+              <a:lnSpc>
+                <a:spcPct val="100000"/>
+              </a:lnSpc>
+              <a:spcBef>
+                <a:spcPts val="0"/>
+              </a:spcBef>
+              <a:spcAft>
+                <a:spcPts val="0"/>
+              </a:spcAft>
+              <a:buNone/>
+              <a:defRPr sz="1400" b="0" i="0" u="none" strike="noStrike" cap="none" baseline="0">
+                <a:solidFill>
+                  <a:srgbClr val="000000"/>
+                </a:solidFill>
+                <a:latin typeface="Arial"/>
+                <a:ea typeface="Arial"/>
+                <a:cs typeface="Arial"/>
+                <a:sym typeface="Arial"/>
+                <a:rtl val="0"/>
+              </a:defRPr>
+            </a:lvl1pPr>
+            <a:lvl2pPr marR="0" algn="l" rtl="0">
+              <a:lnSpc>
+                <a:spcPct val="100000"/>
+              </a:lnSpc>
+              <a:spcBef>
+                <a:spcPts val="0"/>
+              </a:spcBef>
+              <a:spcAft>
+                <a:spcPts val="0"/>
+              </a:spcAft>
+              <a:buNone/>
+              <a:defRPr sz="1400" b="0" i="0" u="none" strike="noStrike" cap="none" baseline="0">
+                <a:solidFill>
+                  <a:srgbClr val="000000"/>
+                </a:solidFill>
+                <a:latin typeface="Arial"/>
+                <a:ea typeface="Arial"/>
+                <a:cs typeface="Arial"/>
+                <a:sym typeface="Arial"/>
+                <a:rtl val="0"/>
+              </a:defRPr>
+            </a:lvl2pPr>
+          </a:lstStyle>
+          <a:p>
+            <a:r>
+              <a:rPr lang="en-US" altLang="ko-KR" smtClean="0"/>
+              <a:t>Dynamic Behavior of view</a:t>
+            </a:r>
+            <a:endParaRPr lang="ko-KR" altLang="en-US" dirty="0"/>
+          </a:p>
+        </p:txBody>
+      </p:sp>
+      <p:sp>
+        <p:nvSpPr>
+          <p:cNvPr id="15" name="모서리가 둥근 직사각형 14"/>
+          <p:cNvSpPr/>
+          <p:nvPr/>
+        </p:nvSpPr>
+        <p:spPr>
+          <a:xfrm>
+            <a:off x="1064568" y="2236802"/>
+            <a:ext cx="1080120" cy="720080"/>
+          </a:xfrm>
+          <a:prstGeom prst="roundRect">
+            <a:avLst>
+              <a:gd name="adj" fmla="val 13492"/>
+            </a:avLst>
+          </a:prstGeom>
+          <a:solidFill>
+            <a:schemeClr val="bg1"/>
+          </a:solidFill>
+          <a:ln w="12700">
+            <a:solidFill>
+              <a:schemeClr val="tx1">
+                <a:lumMod val="75000"/>
+                <a:lumOff val="25000"/>
+              </a:schemeClr>
+            </a:solidFill>
+          </a:ln>
+        </p:spPr>
+        <p:style>
+          <a:lnRef idx="2">
+            <a:schemeClr val="accent1">
+              <a:shade val="50000"/>
+            </a:schemeClr>
+          </a:lnRef>
+          <a:fillRef idx="1">
+            <a:schemeClr val="accent1"/>
+          </a:fillRef>
+          <a:effectRef idx="0">
+            <a:schemeClr val="accent1"/>
+          </a:effectRef>
+          <a:fontRef idx="minor">
+            <a:schemeClr val="lt1"/>
+          </a:fontRef>
+        </p:style>
+        <p:txBody>
+          <a:bodyPr lIns="36000" tIns="36000" rIns="36000" bIns="36000" rtlCol="0" anchor="ctr"/>
+          <a:lstStyle/>
+          <a:p>
+            <a:pPr algn="ctr"/>
+            <a:r>
+              <a:rPr lang="en-US" altLang="ko-KR" sz="1100" dirty="0" smtClean="0">
+                <a:solidFill>
+                  <a:schemeClr val="tx1">
+                    <a:lumMod val="75000"/>
+                    <a:lumOff val="25000"/>
+                  </a:schemeClr>
+                </a:solidFill>
+                <a:latin typeface="Arial" pitchFamily="34" charset="0"/>
+                <a:ea typeface="HY그래픽M" pitchFamily="18" charset="-127"/>
+                <a:cs typeface="Arial" pitchFamily="34" charset="0"/>
+              </a:rPr>
+              <a:t>Welcome</a:t>
+            </a:r>
+          </a:p>
+        </p:txBody>
+      </p:sp>
+      <p:sp>
+        <p:nvSpPr>
+          <p:cNvPr id="16" name="모서리가 둥근 직사각형 15"/>
+          <p:cNvSpPr/>
+          <p:nvPr/>
+        </p:nvSpPr>
+        <p:spPr>
+          <a:xfrm>
+            <a:off x="1064568" y="3892986"/>
+            <a:ext cx="1080120" cy="720080"/>
+          </a:xfrm>
+          <a:prstGeom prst="roundRect">
+            <a:avLst>
+              <a:gd name="adj" fmla="val 13492"/>
+            </a:avLst>
+          </a:prstGeom>
+          <a:solidFill>
+            <a:schemeClr val="bg1"/>
+          </a:solidFill>
+          <a:ln w="12700">
+            <a:solidFill>
+              <a:schemeClr val="tx1">
+                <a:lumMod val="75000"/>
+                <a:lumOff val="25000"/>
+              </a:schemeClr>
+            </a:solidFill>
+          </a:ln>
+        </p:spPr>
+        <p:style>
+          <a:lnRef idx="2">
+            <a:schemeClr val="accent1">
+              <a:shade val="50000"/>
+            </a:schemeClr>
+          </a:lnRef>
+          <a:fillRef idx="1">
+            <a:schemeClr val="accent1"/>
+          </a:fillRef>
+          <a:effectRef idx="0">
+            <a:schemeClr val="accent1"/>
+          </a:effectRef>
+          <a:fontRef idx="minor">
+            <a:schemeClr val="lt1"/>
+          </a:fontRef>
+        </p:style>
+        <p:txBody>
+          <a:bodyPr lIns="36000" tIns="36000" rIns="36000" bIns="36000" rtlCol="0" anchor="ctr"/>
+          <a:lstStyle/>
+          <a:p>
+            <a:pPr algn="ctr"/>
+            <a:r>
+              <a:rPr lang="en-US" altLang="ko-KR" sz="1100" dirty="0" smtClean="0">
+                <a:solidFill>
+                  <a:schemeClr val="tx1">
+                    <a:lumMod val="75000"/>
+                    <a:lumOff val="25000"/>
+                  </a:schemeClr>
+                </a:solidFill>
+                <a:latin typeface="Arial" pitchFamily="34" charset="0"/>
+                <a:ea typeface="HY그래픽M" pitchFamily="18" charset="-127"/>
+                <a:cs typeface="Arial" pitchFamily="34" charset="0"/>
+              </a:rPr>
+              <a:t>Make Account</a:t>
+            </a:r>
+            <a:endParaRPr lang="ko-KR" altLang="en-US" sz="1100" dirty="0" smtClean="0">
+              <a:solidFill>
+                <a:schemeClr val="tx1">
+                  <a:lumMod val="75000"/>
+                  <a:lumOff val="25000"/>
+                </a:schemeClr>
+              </a:solidFill>
+              <a:latin typeface="Arial" pitchFamily="34" charset="0"/>
+              <a:ea typeface="HY그래픽M" pitchFamily="18" charset="-127"/>
+              <a:cs typeface="Arial" pitchFamily="34" charset="0"/>
+            </a:endParaRPr>
+          </a:p>
+        </p:txBody>
+      </p:sp>
+      <p:sp>
+        <p:nvSpPr>
+          <p:cNvPr id="17" name="모서리가 둥근 직사각형 16"/>
+          <p:cNvSpPr/>
+          <p:nvPr/>
+        </p:nvSpPr>
+        <p:spPr>
+          <a:xfrm>
+            <a:off x="7329264" y="3892986"/>
+            <a:ext cx="1080120" cy="720080"/>
+          </a:xfrm>
+          <a:prstGeom prst="roundRect">
+            <a:avLst>
+              <a:gd name="adj" fmla="val 13492"/>
+            </a:avLst>
+          </a:prstGeom>
+          <a:solidFill>
+            <a:schemeClr val="bg1"/>
+          </a:solidFill>
+          <a:ln w="12700">
+            <a:solidFill>
+              <a:schemeClr val="tx1">
+                <a:lumMod val="75000"/>
+                <a:lumOff val="25000"/>
+              </a:schemeClr>
+            </a:solidFill>
+          </a:ln>
+        </p:spPr>
+        <p:style>
+          <a:lnRef idx="2">
+            <a:schemeClr val="accent1">
+              <a:shade val="50000"/>
+            </a:schemeClr>
+          </a:lnRef>
+          <a:fillRef idx="1">
+            <a:schemeClr val="accent1"/>
+          </a:fillRef>
+          <a:effectRef idx="0">
+            <a:schemeClr val="accent1"/>
+          </a:effectRef>
+          <a:fontRef idx="minor">
+            <a:schemeClr val="lt1"/>
+          </a:fontRef>
+        </p:style>
+        <p:txBody>
+          <a:bodyPr lIns="36000" tIns="36000" rIns="36000" bIns="36000" rtlCol="0" anchor="ctr"/>
+          <a:lstStyle/>
+          <a:p>
+            <a:pPr algn="ctr"/>
+            <a:r>
+              <a:rPr lang="en-US" altLang="ko-KR" sz="1100" dirty="0" smtClean="0">
+                <a:solidFill>
+                  <a:schemeClr val="tx1">
+                    <a:lumMod val="75000"/>
+                    <a:lumOff val="25000"/>
+                  </a:schemeClr>
+                </a:solidFill>
+                <a:latin typeface="Arial" pitchFamily="34" charset="0"/>
+                <a:ea typeface="HY그래픽M" pitchFamily="18" charset="-127"/>
+                <a:cs typeface="Arial" pitchFamily="34" charset="0"/>
+              </a:rPr>
+              <a:t>Notification (Alarm or Information)</a:t>
+            </a:r>
+            <a:endParaRPr lang="ko-KR" altLang="en-US" sz="1100" dirty="0" smtClean="0">
+              <a:solidFill>
+                <a:schemeClr val="tx1">
+                  <a:lumMod val="75000"/>
+                  <a:lumOff val="25000"/>
+                </a:schemeClr>
+              </a:solidFill>
+              <a:latin typeface="Arial" pitchFamily="34" charset="0"/>
+              <a:ea typeface="HY그래픽M" pitchFamily="18" charset="-127"/>
+              <a:cs typeface="Arial" pitchFamily="34" charset="0"/>
+            </a:endParaRPr>
+          </a:p>
+        </p:txBody>
+      </p:sp>
+      <p:sp>
+        <p:nvSpPr>
+          <p:cNvPr id="18" name="모서리가 둥근 직사각형 17"/>
+          <p:cNvSpPr/>
+          <p:nvPr/>
+        </p:nvSpPr>
+        <p:spPr>
+          <a:xfrm>
+            <a:off x="3008784" y="2236802"/>
+            <a:ext cx="1080120" cy="720080"/>
+          </a:xfrm>
+          <a:prstGeom prst="roundRect">
+            <a:avLst>
+              <a:gd name="adj" fmla="val 13492"/>
+            </a:avLst>
+          </a:prstGeom>
+          <a:solidFill>
+            <a:schemeClr val="bg1"/>
+          </a:solidFill>
+          <a:ln w="12700">
+            <a:solidFill>
+              <a:schemeClr val="tx1">
+                <a:lumMod val="75000"/>
+                <a:lumOff val="25000"/>
+              </a:schemeClr>
+            </a:solidFill>
+          </a:ln>
+        </p:spPr>
+        <p:style>
+          <a:lnRef idx="2">
+            <a:schemeClr val="accent1">
+              <a:shade val="50000"/>
+            </a:schemeClr>
+          </a:lnRef>
+          <a:fillRef idx="1">
+            <a:schemeClr val="accent1"/>
+          </a:fillRef>
+          <a:effectRef idx="0">
+            <a:schemeClr val="accent1"/>
+          </a:effectRef>
+          <a:fontRef idx="minor">
+            <a:schemeClr val="lt1"/>
+          </a:fontRef>
+        </p:style>
+        <p:txBody>
+          <a:bodyPr lIns="36000" tIns="36000" rIns="36000" bIns="36000" rtlCol="0" anchor="ctr"/>
+          <a:lstStyle/>
+          <a:p>
+            <a:pPr algn="ctr"/>
+            <a:r>
+              <a:rPr lang="en-US" altLang="ko-KR" sz="1100" dirty="0" smtClean="0">
+                <a:solidFill>
+                  <a:schemeClr val="tx1">
+                    <a:lumMod val="75000"/>
+                    <a:lumOff val="25000"/>
+                  </a:schemeClr>
+                </a:solidFill>
+                <a:latin typeface="Arial" pitchFamily="34" charset="0"/>
+                <a:ea typeface="HY그래픽M" pitchFamily="18" charset="-127"/>
+                <a:cs typeface="Arial" pitchFamily="34" charset="0"/>
+              </a:rPr>
+              <a:t>SA node List and System Config</a:t>
+            </a:r>
+            <a:endParaRPr lang="ko-KR" altLang="en-US" sz="1100" dirty="0" smtClean="0">
+              <a:solidFill>
+                <a:schemeClr val="tx1">
+                  <a:lumMod val="75000"/>
+                  <a:lumOff val="25000"/>
+                </a:schemeClr>
+              </a:solidFill>
+              <a:latin typeface="Arial" pitchFamily="34" charset="0"/>
+              <a:ea typeface="HY그래픽M" pitchFamily="18" charset="-127"/>
+              <a:cs typeface="Arial" pitchFamily="34" charset="0"/>
+            </a:endParaRPr>
+          </a:p>
+        </p:txBody>
+      </p:sp>
+      <p:sp>
+        <p:nvSpPr>
+          <p:cNvPr id="19" name="모서리가 둥근 직사각형 18"/>
+          <p:cNvSpPr/>
+          <p:nvPr/>
+        </p:nvSpPr>
+        <p:spPr>
+          <a:xfrm>
+            <a:off x="3008784" y="3892986"/>
+            <a:ext cx="1080120" cy="720080"/>
+          </a:xfrm>
+          <a:prstGeom prst="roundRect">
+            <a:avLst>
+              <a:gd name="adj" fmla="val 13492"/>
+            </a:avLst>
+          </a:prstGeom>
+          <a:solidFill>
+            <a:schemeClr val="bg1"/>
+          </a:solidFill>
+          <a:ln w="12700">
+            <a:solidFill>
+              <a:schemeClr val="tx1">
+                <a:lumMod val="75000"/>
+                <a:lumOff val="25000"/>
+              </a:schemeClr>
+            </a:solidFill>
+          </a:ln>
+        </p:spPr>
+        <p:style>
+          <a:lnRef idx="2">
+            <a:schemeClr val="accent1">
+              <a:shade val="50000"/>
+            </a:schemeClr>
+          </a:lnRef>
+          <a:fillRef idx="1">
+            <a:schemeClr val="accent1"/>
+          </a:fillRef>
+          <a:effectRef idx="0">
+            <a:schemeClr val="accent1"/>
+          </a:effectRef>
+          <a:fontRef idx="minor">
+            <a:schemeClr val="lt1"/>
+          </a:fontRef>
+        </p:style>
+        <p:txBody>
+          <a:bodyPr lIns="36000" tIns="36000" rIns="36000" bIns="36000" rtlCol="0" anchor="ctr"/>
+          <a:lstStyle/>
+          <a:p>
+            <a:pPr algn="ctr"/>
+            <a:r>
+              <a:rPr lang="en-US" altLang="ko-KR" sz="1100" dirty="0" smtClean="0">
+                <a:solidFill>
+                  <a:schemeClr val="tx1">
+                    <a:lumMod val="75000"/>
+                    <a:lumOff val="25000"/>
+                  </a:schemeClr>
+                </a:solidFill>
+                <a:latin typeface="Arial" pitchFamily="34" charset="0"/>
+                <a:ea typeface="HY그래픽M" pitchFamily="18" charset="-127"/>
+                <a:cs typeface="Arial" pitchFamily="34" charset="0"/>
+              </a:rPr>
+              <a:t>Register/Unregister SA nodes</a:t>
+            </a:r>
+            <a:endParaRPr lang="ko-KR" altLang="en-US" sz="1100" dirty="0" smtClean="0">
+              <a:solidFill>
+                <a:schemeClr val="tx1">
+                  <a:lumMod val="75000"/>
+                  <a:lumOff val="25000"/>
+                </a:schemeClr>
+              </a:solidFill>
+              <a:latin typeface="Arial" pitchFamily="34" charset="0"/>
+              <a:ea typeface="HY그래픽M" pitchFamily="18" charset="-127"/>
+              <a:cs typeface="Arial" pitchFamily="34" charset="0"/>
+            </a:endParaRPr>
+          </a:p>
+        </p:txBody>
+      </p:sp>
+      <p:sp>
+        <p:nvSpPr>
+          <p:cNvPr id="20" name="모서리가 둥근 직사각형 19"/>
+          <p:cNvSpPr/>
+          <p:nvPr/>
+        </p:nvSpPr>
+        <p:spPr>
+          <a:xfrm>
+            <a:off x="4410483" y="3892986"/>
+            <a:ext cx="1080120" cy="720080"/>
+          </a:xfrm>
+          <a:prstGeom prst="roundRect">
+            <a:avLst>
+              <a:gd name="adj" fmla="val 13492"/>
+            </a:avLst>
+          </a:prstGeom>
+          <a:solidFill>
+            <a:schemeClr val="bg1"/>
+          </a:solidFill>
+          <a:ln w="12700">
+            <a:solidFill>
+              <a:schemeClr val="tx1">
+                <a:lumMod val="75000"/>
+                <a:lumOff val="25000"/>
+              </a:schemeClr>
+            </a:solidFill>
+          </a:ln>
+        </p:spPr>
+        <p:style>
+          <a:lnRef idx="2">
+            <a:schemeClr val="accent1">
+              <a:shade val="50000"/>
+            </a:schemeClr>
+          </a:lnRef>
+          <a:fillRef idx="1">
+            <a:schemeClr val="accent1"/>
+          </a:fillRef>
+          <a:effectRef idx="0">
+            <a:schemeClr val="accent1"/>
+          </a:effectRef>
+          <a:fontRef idx="minor">
+            <a:schemeClr val="lt1"/>
+          </a:fontRef>
+        </p:style>
+        <p:txBody>
+          <a:bodyPr lIns="36000" tIns="36000" rIns="36000" bIns="36000" rtlCol="0" anchor="ctr"/>
+          <a:lstStyle/>
+          <a:p>
+            <a:pPr algn="ctr"/>
+            <a:r>
+              <a:rPr lang="en-US" altLang="ko-KR" sz="1100" dirty="0" smtClean="0">
+                <a:solidFill>
+                  <a:schemeClr val="tx1">
+                    <a:lumMod val="75000"/>
+                    <a:lumOff val="25000"/>
+                  </a:schemeClr>
+                </a:solidFill>
+                <a:latin typeface="Arial" pitchFamily="34" charset="0"/>
+                <a:ea typeface="HY그래픽M" pitchFamily="18" charset="-127"/>
+                <a:cs typeface="Arial" pitchFamily="34" charset="0"/>
+              </a:rPr>
+              <a:t>Log Config</a:t>
+            </a:r>
+            <a:endParaRPr lang="ko-KR" altLang="en-US" sz="1100" dirty="0" smtClean="0">
+              <a:solidFill>
+                <a:schemeClr val="tx1">
+                  <a:lumMod val="75000"/>
+                  <a:lumOff val="25000"/>
+                </a:schemeClr>
+              </a:solidFill>
+              <a:latin typeface="Arial" pitchFamily="34" charset="0"/>
+              <a:ea typeface="HY그래픽M" pitchFamily="18" charset="-127"/>
+              <a:cs typeface="Arial" pitchFamily="34" charset="0"/>
+            </a:endParaRPr>
+          </a:p>
+        </p:txBody>
+      </p:sp>
+      <p:sp>
+        <p:nvSpPr>
+          <p:cNvPr id="21" name="모서리가 둥근 직사각형 20"/>
+          <p:cNvSpPr/>
+          <p:nvPr/>
+        </p:nvSpPr>
+        <p:spPr>
+          <a:xfrm>
+            <a:off x="5889104" y="3892986"/>
+            <a:ext cx="1080120" cy="720080"/>
+          </a:xfrm>
+          <a:prstGeom prst="roundRect">
+            <a:avLst>
+              <a:gd name="adj" fmla="val 13492"/>
+            </a:avLst>
+          </a:prstGeom>
+          <a:solidFill>
+            <a:schemeClr val="bg1"/>
+          </a:solidFill>
+          <a:ln w="12700">
+            <a:solidFill>
+              <a:schemeClr val="tx1">
+                <a:lumMod val="75000"/>
+                <a:lumOff val="25000"/>
+              </a:schemeClr>
+            </a:solidFill>
+          </a:ln>
+        </p:spPr>
+        <p:style>
+          <a:lnRef idx="2">
+            <a:schemeClr val="accent1">
+              <a:shade val="50000"/>
+            </a:schemeClr>
+          </a:lnRef>
+          <a:fillRef idx="1">
+            <a:schemeClr val="accent1"/>
+          </a:fillRef>
+          <a:effectRef idx="0">
+            <a:schemeClr val="accent1"/>
+          </a:effectRef>
+          <a:fontRef idx="minor">
+            <a:schemeClr val="lt1"/>
+          </a:fontRef>
+        </p:style>
+        <p:txBody>
+          <a:bodyPr lIns="36000" tIns="36000" rIns="36000" bIns="36000" rtlCol="0" anchor="ctr"/>
+          <a:lstStyle/>
+          <a:p>
+            <a:pPr algn="ctr"/>
+            <a:r>
+              <a:rPr lang="en-US" altLang="ko-KR" sz="1100" dirty="0" smtClean="0">
+                <a:solidFill>
+                  <a:schemeClr val="tx1">
+                    <a:lumMod val="75000"/>
+                    <a:lumOff val="25000"/>
+                  </a:schemeClr>
+                </a:solidFill>
+                <a:latin typeface="Arial" pitchFamily="34" charset="0"/>
+                <a:ea typeface="HY그래픽M" pitchFamily="18" charset="-127"/>
+                <a:cs typeface="Arial" pitchFamily="34" charset="0"/>
+              </a:rPr>
+              <a:t>View Log</a:t>
+            </a:r>
+            <a:endParaRPr lang="ko-KR" altLang="en-US" sz="1100" dirty="0" smtClean="0">
+              <a:solidFill>
+                <a:schemeClr val="tx1">
+                  <a:lumMod val="75000"/>
+                  <a:lumOff val="25000"/>
+                </a:schemeClr>
+              </a:solidFill>
+              <a:latin typeface="Arial" pitchFamily="34" charset="0"/>
+              <a:ea typeface="HY그래픽M" pitchFamily="18" charset="-127"/>
+              <a:cs typeface="Arial" pitchFamily="34" charset="0"/>
+            </a:endParaRPr>
+          </a:p>
+        </p:txBody>
+      </p:sp>
+      <p:sp>
+        <p:nvSpPr>
+          <p:cNvPr id="22" name="모서리가 둥근 직사각형 21"/>
+          <p:cNvSpPr/>
+          <p:nvPr/>
+        </p:nvSpPr>
+        <p:spPr>
+          <a:xfrm>
+            <a:off x="5169024" y="2236802"/>
+            <a:ext cx="1080120" cy="720080"/>
+          </a:xfrm>
+          <a:prstGeom prst="roundRect">
+            <a:avLst>
+              <a:gd name="adj" fmla="val 13492"/>
+            </a:avLst>
+          </a:prstGeom>
+          <a:solidFill>
+            <a:schemeClr val="bg1"/>
+          </a:solidFill>
+          <a:ln w="12700">
+            <a:solidFill>
+              <a:schemeClr val="tx1">
+                <a:lumMod val="75000"/>
+                <a:lumOff val="25000"/>
+              </a:schemeClr>
+            </a:solidFill>
+          </a:ln>
+        </p:spPr>
+        <p:style>
+          <a:lnRef idx="2">
+            <a:schemeClr val="accent1">
+              <a:shade val="50000"/>
+            </a:schemeClr>
+          </a:lnRef>
+          <a:fillRef idx="1">
+            <a:schemeClr val="accent1"/>
+          </a:fillRef>
+          <a:effectRef idx="0">
+            <a:schemeClr val="accent1"/>
+          </a:effectRef>
+          <a:fontRef idx="minor">
+            <a:schemeClr val="lt1"/>
+          </a:fontRef>
+        </p:style>
+        <p:txBody>
+          <a:bodyPr lIns="36000" tIns="36000" rIns="36000" bIns="36000" rtlCol="0" anchor="ctr"/>
+          <a:lstStyle/>
+          <a:p>
+            <a:pPr algn="ctr"/>
+            <a:r>
+              <a:rPr lang="en-US" altLang="ko-KR" sz="1100" dirty="0" smtClean="0">
+                <a:solidFill>
+                  <a:schemeClr val="tx1">
+                    <a:lumMod val="75000"/>
+                    <a:lumOff val="25000"/>
+                  </a:schemeClr>
+                </a:solidFill>
+                <a:latin typeface="Arial" pitchFamily="34" charset="0"/>
+                <a:ea typeface="HY그래픽M" pitchFamily="18" charset="-127"/>
+                <a:cs typeface="Arial" pitchFamily="34" charset="0"/>
+              </a:rPr>
+              <a:t>SA node Status</a:t>
+            </a:r>
+            <a:endParaRPr lang="ko-KR" altLang="en-US" sz="1100" dirty="0" smtClean="0">
+              <a:solidFill>
+                <a:schemeClr val="tx1">
+                  <a:lumMod val="75000"/>
+                  <a:lumOff val="25000"/>
+                </a:schemeClr>
+              </a:solidFill>
+              <a:latin typeface="Arial" pitchFamily="34" charset="0"/>
+              <a:ea typeface="HY그래픽M" pitchFamily="18" charset="-127"/>
+              <a:cs typeface="Arial" pitchFamily="34" charset="0"/>
+            </a:endParaRPr>
+          </a:p>
+        </p:txBody>
+      </p:sp>
+      <p:sp>
+        <p:nvSpPr>
+          <p:cNvPr id="23" name="모서리가 둥근 직사각형 22"/>
+          <p:cNvSpPr/>
+          <p:nvPr/>
+        </p:nvSpPr>
+        <p:spPr>
+          <a:xfrm>
+            <a:off x="7329264" y="2236802"/>
+            <a:ext cx="1080120" cy="720080"/>
+          </a:xfrm>
+          <a:prstGeom prst="roundRect">
+            <a:avLst>
+              <a:gd name="adj" fmla="val 13492"/>
+            </a:avLst>
+          </a:prstGeom>
+          <a:solidFill>
+            <a:schemeClr val="bg1"/>
+          </a:solidFill>
+          <a:ln w="12700">
+            <a:solidFill>
+              <a:schemeClr val="tx1">
+                <a:lumMod val="75000"/>
+                <a:lumOff val="25000"/>
+              </a:schemeClr>
+            </a:solidFill>
+          </a:ln>
+        </p:spPr>
+        <p:style>
+          <a:lnRef idx="2">
+            <a:schemeClr val="accent1">
+              <a:shade val="50000"/>
+            </a:schemeClr>
+          </a:lnRef>
+          <a:fillRef idx="1">
+            <a:schemeClr val="accent1"/>
+          </a:fillRef>
+          <a:effectRef idx="0">
+            <a:schemeClr val="accent1"/>
+          </a:effectRef>
+          <a:fontRef idx="minor">
+            <a:schemeClr val="lt1"/>
+          </a:fontRef>
+        </p:style>
+        <p:txBody>
+          <a:bodyPr lIns="36000" tIns="36000" rIns="36000" bIns="36000" rtlCol="0" anchor="ctr"/>
+          <a:lstStyle/>
+          <a:p>
+            <a:pPr algn="ctr"/>
+            <a:r>
+              <a:rPr lang="en-US" altLang="ko-KR" sz="1100" dirty="0" smtClean="0">
+                <a:solidFill>
+                  <a:schemeClr val="tx1">
+                    <a:lumMod val="75000"/>
+                    <a:lumOff val="25000"/>
+                  </a:schemeClr>
+                </a:solidFill>
+                <a:latin typeface="Arial" pitchFamily="34" charset="0"/>
+                <a:ea typeface="HY그래픽M" pitchFamily="18" charset="-127"/>
+                <a:cs typeface="Arial" pitchFamily="34" charset="0"/>
+              </a:rPr>
+              <a:t>SA node Control</a:t>
+            </a:r>
+            <a:endParaRPr lang="ko-KR" altLang="en-US" sz="1100" dirty="0" smtClean="0">
+              <a:solidFill>
+                <a:schemeClr val="tx1">
+                  <a:lumMod val="75000"/>
+                  <a:lumOff val="25000"/>
+                </a:schemeClr>
+              </a:solidFill>
+              <a:latin typeface="Arial" pitchFamily="34" charset="0"/>
+              <a:ea typeface="HY그래픽M" pitchFamily="18" charset="-127"/>
+              <a:cs typeface="Arial" pitchFamily="34" charset="0"/>
+            </a:endParaRPr>
+          </a:p>
+        </p:txBody>
+      </p:sp>
+      <p:sp>
+        <p:nvSpPr>
+          <p:cNvPr id="24" name="TextBox 23"/>
+          <p:cNvSpPr txBox="1"/>
+          <p:nvPr/>
+        </p:nvSpPr>
+        <p:spPr>
+          <a:xfrm>
+            <a:off x="992560" y="5229200"/>
+            <a:ext cx="3024336" cy="261610"/>
+          </a:xfrm>
+          <a:prstGeom prst="rect">
+            <a:avLst/>
+          </a:prstGeom>
+          <a:solidFill>
+            <a:schemeClr val="bg1"/>
+          </a:solidFill>
+        </p:spPr>
+        <p:txBody>
+          <a:bodyPr wrap="square" rtlCol="0">
+            <a:spAutoFit/>
+          </a:bodyPr>
+          <a:lstStyle/>
+          <a:p>
+            <a:r>
+              <a:rPr lang="en-US" altLang="ko-KR" sz="1100" dirty="0" smtClean="0">
+                <a:latin typeface="Arial" pitchFamily="34" charset="0"/>
+                <a:ea typeface="HY그래픽M" pitchFamily="18" charset="-127"/>
+                <a:cs typeface="Arial" pitchFamily="34" charset="0"/>
+              </a:rPr>
+              <a:t>Legend (Dynamic Behavior)</a:t>
+            </a:r>
+            <a:endParaRPr lang="ko-KR" altLang="en-US" sz="1100" dirty="0" smtClean="0">
+              <a:latin typeface="Arial" pitchFamily="34" charset="0"/>
+              <a:ea typeface="HY그래픽M" pitchFamily="18" charset="-127"/>
+              <a:cs typeface="Arial" pitchFamily="34" charset="0"/>
+            </a:endParaRPr>
+          </a:p>
+        </p:txBody>
+      </p:sp>
+      <p:sp>
+        <p:nvSpPr>
+          <p:cNvPr id="25" name="직사각형 24"/>
+          <p:cNvSpPr/>
+          <p:nvPr/>
+        </p:nvSpPr>
+        <p:spPr>
+          <a:xfrm>
+            <a:off x="1064568" y="5517232"/>
+            <a:ext cx="7920880" cy="648072"/>
+          </a:xfrm>
+          <a:prstGeom prst="rect">
+            <a:avLst/>
+          </a:prstGeom>
+          <a:solidFill>
+            <a:schemeClr val="bg1"/>
+          </a:solidFill>
+          <a:ln w="12700">
+            <a:solidFill>
+              <a:schemeClr val="tx1">
+                <a:lumMod val="75000"/>
+                <a:lumOff val="25000"/>
+              </a:schemeClr>
+            </a:solidFill>
+          </a:ln>
+        </p:spPr>
+        <p:style>
+          <a:lnRef idx="2">
+            <a:schemeClr val="accent1">
+              <a:shade val="50000"/>
+            </a:schemeClr>
+          </a:lnRef>
+          <a:fillRef idx="1">
+            <a:schemeClr val="accent1"/>
+          </a:fillRef>
+          <a:effectRef idx="0">
+            <a:schemeClr val="accent1"/>
+          </a:effectRef>
+          <a:fontRef idx="minor">
+            <a:schemeClr val="lt1"/>
+          </a:fontRef>
+        </p:style>
+        <p:txBody>
+          <a:bodyPr lIns="36000" tIns="36000" rIns="36000" bIns="36000" rtlCol="0" anchor="t"/>
+          <a:lstStyle/>
+          <a:p>
+            <a:endParaRPr lang="ko-KR" altLang="en-US" sz="1100" dirty="0">
+              <a:solidFill>
+                <a:schemeClr val="tx1">
+                  <a:lumMod val="75000"/>
+                  <a:lumOff val="25000"/>
+                </a:schemeClr>
+              </a:solidFill>
+              <a:latin typeface="Arial" pitchFamily="34" charset="0"/>
+              <a:ea typeface="HY그래픽M" pitchFamily="18" charset="-127"/>
+              <a:cs typeface="Arial" pitchFamily="34" charset="0"/>
+            </a:endParaRPr>
+          </a:p>
+        </p:txBody>
+      </p:sp>
+      <p:sp>
+        <p:nvSpPr>
+          <p:cNvPr id="26" name="모서리가 둥근 직사각형 25"/>
+          <p:cNvSpPr/>
+          <p:nvPr/>
+        </p:nvSpPr>
+        <p:spPr>
+          <a:xfrm>
+            <a:off x="1280592" y="5589240"/>
+            <a:ext cx="360040" cy="216024"/>
+          </a:xfrm>
+          <a:prstGeom prst="roundRect">
+            <a:avLst>
+              <a:gd name="adj" fmla="val 38184"/>
+            </a:avLst>
+          </a:prstGeom>
+          <a:solidFill>
+            <a:schemeClr val="bg1"/>
+          </a:solidFill>
+          <a:ln w="12700">
+            <a:solidFill>
+              <a:schemeClr val="tx1">
+                <a:lumMod val="75000"/>
+                <a:lumOff val="25000"/>
+              </a:schemeClr>
+            </a:solidFill>
+          </a:ln>
+        </p:spPr>
+        <p:style>
+          <a:lnRef idx="2">
+            <a:schemeClr val="accent1">
+              <a:shade val="50000"/>
+            </a:schemeClr>
+          </a:lnRef>
+          <a:fillRef idx="1">
+            <a:schemeClr val="accent1"/>
+          </a:fillRef>
+          <a:effectRef idx="0">
+            <a:schemeClr val="accent1"/>
+          </a:effectRef>
+          <a:fontRef idx="minor">
+            <a:schemeClr val="lt1"/>
+          </a:fontRef>
+        </p:style>
+        <p:txBody>
+          <a:bodyPr lIns="36000" tIns="36000" rIns="36000" bIns="36000" rtlCol="0" anchor="ctr"/>
+          <a:lstStyle/>
+          <a:p>
+            <a:pPr algn="ctr"/>
+            <a:endParaRPr lang="ko-KR" altLang="en-US" sz="1100" dirty="0" smtClean="0">
+              <a:solidFill>
+                <a:schemeClr val="tx1">
+                  <a:lumMod val="75000"/>
+                  <a:lumOff val="25000"/>
+                </a:schemeClr>
+              </a:solidFill>
+              <a:latin typeface="Arial" pitchFamily="34" charset="0"/>
+              <a:ea typeface="HY그래픽M" pitchFamily="18" charset="-127"/>
+              <a:cs typeface="Arial" pitchFamily="34" charset="0"/>
+            </a:endParaRPr>
+          </a:p>
+        </p:txBody>
+      </p:sp>
+      <p:sp>
+        <p:nvSpPr>
+          <p:cNvPr id="27" name="모서리가 둥근 직사각형 26"/>
+          <p:cNvSpPr/>
+          <p:nvPr/>
+        </p:nvSpPr>
+        <p:spPr>
+          <a:xfrm>
+            <a:off x="1712640" y="5589240"/>
+            <a:ext cx="1368152" cy="216024"/>
+          </a:xfrm>
+          <a:prstGeom prst="roundRect">
+            <a:avLst>
+              <a:gd name="adj" fmla="val 38184"/>
+            </a:avLst>
+          </a:prstGeom>
+          <a:noFill/>
+          <a:ln w="12700">
+            <a:noFill/>
+          </a:ln>
+        </p:spPr>
+        <p:style>
+          <a:lnRef idx="2">
+            <a:schemeClr val="accent1">
+              <a:shade val="50000"/>
+            </a:schemeClr>
+          </a:lnRef>
+          <a:fillRef idx="1">
+            <a:schemeClr val="accent1"/>
+          </a:fillRef>
+          <a:effectRef idx="0">
+            <a:schemeClr val="accent1"/>
+          </a:effectRef>
+          <a:fontRef idx="minor">
+            <a:schemeClr val="lt1"/>
+          </a:fontRef>
+        </p:style>
+        <p:txBody>
+          <a:bodyPr lIns="36000" tIns="36000" rIns="36000" bIns="36000" rtlCol="0" anchor="ctr"/>
+          <a:lstStyle/>
+          <a:p>
+            <a:r>
+              <a:rPr lang="en-US" altLang="ko-KR" sz="1100" dirty="0" smtClean="0">
+                <a:solidFill>
+                  <a:schemeClr val="tx1">
+                    <a:lumMod val="75000"/>
+                    <a:lumOff val="25000"/>
+                  </a:schemeClr>
+                </a:solidFill>
+                <a:latin typeface="Arial" pitchFamily="34" charset="0"/>
+                <a:ea typeface="HY그래픽M" pitchFamily="18" charset="-127"/>
+                <a:cs typeface="Arial" pitchFamily="34" charset="0"/>
+              </a:rPr>
+              <a:t>Status of View</a:t>
+            </a:r>
+            <a:endParaRPr lang="ko-KR" altLang="en-US" sz="1100" dirty="0" smtClean="0">
+              <a:solidFill>
+                <a:schemeClr val="tx1">
+                  <a:lumMod val="75000"/>
+                  <a:lumOff val="25000"/>
+                </a:schemeClr>
+              </a:solidFill>
+              <a:latin typeface="Arial" pitchFamily="34" charset="0"/>
+              <a:ea typeface="HY그래픽M" pitchFamily="18" charset="-127"/>
+              <a:cs typeface="Arial" pitchFamily="34" charset="0"/>
+            </a:endParaRPr>
+          </a:p>
+        </p:txBody>
+      </p:sp>
+      <p:cxnSp>
+        <p:nvCxnSpPr>
+          <p:cNvPr id="28" name="직선 화살표 연결선 27"/>
+          <p:cNvCxnSpPr>
+            <a:stCxn id="15" idx="3"/>
+            <a:endCxn id="18" idx="1"/>
+          </p:cNvCxnSpPr>
+          <p:nvPr/>
+        </p:nvCxnSpPr>
+        <p:spPr>
+          <a:xfrm>
+            <a:off x="2144688" y="2596842"/>
+            <a:ext cx="864096" cy="0"/>
+          </a:xfrm>
+          <a:prstGeom prst="straightConnector1">
+            <a:avLst/>
+          </a:prstGeom>
+          <a:ln w="12700">
+            <a:solidFill>
+              <a:schemeClr val="tx1">
+                <a:lumMod val="75000"/>
+                <a:lumOff val="25000"/>
+              </a:schemeClr>
+            </a:solidFill>
+            <a:prstDash val="solid"/>
+            <a:tailEnd type="arrow"/>
+          </a:ln>
+        </p:spPr>
+        <p:style>
+          <a:lnRef idx="1">
+            <a:schemeClr val="accent1"/>
+          </a:lnRef>
+          <a:fillRef idx="0">
+            <a:schemeClr val="accent1"/>
+          </a:fillRef>
+          <a:effectRef idx="0">
+            <a:schemeClr val="accent1"/>
+          </a:effectRef>
+          <a:fontRef idx="minor">
+            <a:schemeClr val="tx1"/>
+          </a:fontRef>
+        </p:style>
+      </p:cxnSp>
+      <p:cxnSp>
+        <p:nvCxnSpPr>
+          <p:cNvPr id="29" name="직선 화살표 연결선 28"/>
+          <p:cNvCxnSpPr/>
+          <p:nvPr/>
+        </p:nvCxnSpPr>
+        <p:spPr>
+          <a:xfrm>
+            <a:off x="4880992" y="5733256"/>
+            <a:ext cx="360040" cy="0"/>
+          </a:xfrm>
+          <a:prstGeom prst="straightConnector1">
+            <a:avLst/>
+          </a:prstGeom>
+          <a:ln w="12700">
+            <a:solidFill>
+              <a:schemeClr val="tx1">
+                <a:lumMod val="75000"/>
+                <a:lumOff val="25000"/>
+              </a:schemeClr>
+            </a:solidFill>
+            <a:prstDash val="solid"/>
+            <a:tailEnd type="arrow"/>
+          </a:ln>
+        </p:spPr>
+        <p:style>
+          <a:lnRef idx="1">
+            <a:schemeClr val="accent1"/>
+          </a:lnRef>
+          <a:fillRef idx="0">
+            <a:schemeClr val="accent1"/>
+          </a:fillRef>
+          <a:effectRef idx="0">
+            <a:schemeClr val="accent1"/>
+          </a:effectRef>
+          <a:fontRef idx="minor">
+            <a:schemeClr val="tx1"/>
+          </a:fontRef>
+        </p:style>
+      </p:cxnSp>
+      <p:sp>
+        <p:nvSpPr>
+          <p:cNvPr id="30" name="모서리가 둥근 직사각형 29"/>
+          <p:cNvSpPr/>
+          <p:nvPr/>
+        </p:nvSpPr>
+        <p:spPr>
+          <a:xfrm>
+            <a:off x="5313040" y="5589240"/>
+            <a:ext cx="2736304" cy="288032"/>
+          </a:xfrm>
+          <a:prstGeom prst="roundRect">
+            <a:avLst>
+              <a:gd name="adj" fmla="val 38184"/>
+            </a:avLst>
+          </a:prstGeom>
+          <a:noFill/>
+          <a:ln w="12700">
+            <a:noFill/>
+          </a:ln>
+        </p:spPr>
+        <p:style>
+          <a:lnRef idx="2">
+            <a:schemeClr val="accent1">
+              <a:shade val="50000"/>
+            </a:schemeClr>
+          </a:lnRef>
+          <a:fillRef idx="1">
+            <a:schemeClr val="accent1"/>
+          </a:fillRef>
+          <a:effectRef idx="0">
+            <a:schemeClr val="accent1"/>
+          </a:effectRef>
+          <a:fontRef idx="minor">
+            <a:schemeClr val="lt1"/>
+          </a:fontRef>
+        </p:style>
+        <p:txBody>
+          <a:bodyPr lIns="36000" tIns="36000" rIns="36000" bIns="36000" rtlCol="0" anchor="ctr"/>
+          <a:lstStyle/>
+          <a:p>
+            <a:r>
+              <a:rPr lang="en-US" altLang="ko-KR" sz="1100" dirty="0" smtClean="0">
+                <a:solidFill>
+                  <a:schemeClr val="tx1">
+                    <a:lumMod val="75000"/>
+                    <a:lumOff val="25000"/>
+                  </a:schemeClr>
+                </a:solidFill>
+                <a:latin typeface="Arial" pitchFamily="34" charset="0"/>
+                <a:ea typeface="HY그래픽M" pitchFamily="18" charset="-127"/>
+                <a:cs typeface="Arial" pitchFamily="34" charset="0"/>
+              </a:rPr>
+              <a:t>User Input – enter some kinds of data</a:t>
+            </a:r>
+            <a:endParaRPr lang="ko-KR" altLang="en-US" sz="1100" dirty="0" smtClean="0">
+              <a:solidFill>
+                <a:schemeClr val="tx1">
+                  <a:lumMod val="75000"/>
+                  <a:lumOff val="25000"/>
+                </a:schemeClr>
+              </a:solidFill>
+              <a:latin typeface="Arial" pitchFamily="34" charset="0"/>
+              <a:ea typeface="HY그래픽M" pitchFamily="18" charset="-127"/>
+              <a:cs typeface="Arial" pitchFamily="34" charset="0"/>
+            </a:endParaRPr>
+          </a:p>
+        </p:txBody>
+      </p:sp>
+      <p:cxnSp>
+        <p:nvCxnSpPr>
+          <p:cNvPr id="31" name="직선 화살표 연결선 30"/>
+          <p:cNvCxnSpPr/>
+          <p:nvPr/>
+        </p:nvCxnSpPr>
+        <p:spPr>
+          <a:xfrm>
+            <a:off x="4880992" y="5949280"/>
+            <a:ext cx="360040" cy="0"/>
+          </a:xfrm>
+          <a:prstGeom prst="straightConnector1">
+            <a:avLst/>
+          </a:prstGeom>
+          <a:ln w="12700">
+            <a:solidFill>
+              <a:schemeClr val="tx1">
+                <a:lumMod val="75000"/>
+                <a:lumOff val="25000"/>
+              </a:schemeClr>
+            </a:solidFill>
+            <a:prstDash val="sysDash"/>
+            <a:tailEnd type="arrow"/>
+          </a:ln>
+        </p:spPr>
+        <p:style>
+          <a:lnRef idx="1">
+            <a:schemeClr val="accent1"/>
+          </a:lnRef>
+          <a:fillRef idx="0">
+            <a:schemeClr val="accent1"/>
+          </a:fillRef>
+          <a:effectRef idx="0">
+            <a:schemeClr val="accent1"/>
+          </a:effectRef>
+          <a:fontRef idx="minor">
+            <a:schemeClr val="tx1"/>
+          </a:fontRef>
+        </p:style>
+      </p:cxnSp>
+      <p:sp>
+        <p:nvSpPr>
+          <p:cNvPr id="32" name="모서리가 둥근 직사각형 31"/>
+          <p:cNvSpPr/>
+          <p:nvPr/>
+        </p:nvSpPr>
+        <p:spPr>
+          <a:xfrm>
+            <a:off x="5313040" y="5805264"/>
+            <a:ext cx="2520280" cy="288032"/>
+          </a:xfrm>
+          <a:prstGeom prst="roundRect">
+            <a:avLst>
+              <a:gd name="adj" fmla="val 38184"/>
+            </a:avLst>
+          </a:prstGeom>
+          <a:noFill/>
+          <a:ln w="12700">
+            <a:noFill/>
+          </a:ln>
+        </p:spPr>
+        <p:style>
+          <a:lnRef idx="2">
+            <a:schemeClr val="accent1">
+              <a:shade val="50000"/>
+            </a:schemeClr>
+          </a:lnRef>
+          <a:fillRef idx="1">
+            <a:schemeClr val="accent1"/>
+          </a:fillRef>
+          <a:effectRef idx="0">
+            <a:schemeClr val="accent1"/>
+          </a:effectRef>
+          <a:fontRef idx="minor">
+            <a:schemeClr val="lt1"/>
+          </a:fontRef>
+        </p:style>
+        <p:txBody>
+          <a:bodyPr lIns="36000" tIns="36000" rIns="36000" bIns="36000" rtlCol="0" anchor="ctr"/>
+          <a:lstStyle/>
+          <a:p>
+            <a:r>
+              <a:rPr lang="en-US" altLang="ko-KR" sz="1100" dirty="0" smtClean="0">
+                <a:solidFill>
+                  <a:schemeClr val="tx1">
+                    <a:lumMod val="75000"/>
+                    <a:lumOff val="25000"/>
+                  </a:schemeClr>
+                </a:solidFill>
+                <a:latin typeface="Arial" pitchFamily="34" charset="0"/>
+                <a:ea typeface="HY그래픽M" pitchFamily="18" charset="-127"/>
+                <a:cs typeface="Arial" pitchFamily="34" charset="0"/>
+              </a:rPr>
+              <a:t>User Input – choose one item </a:t>
+            </a:r>
+            <a:endParaRPr lang="ko-KR" altLang="en-US" sz="1100" dirty="0" smtClean="0">
+              <a:solidFill>
+                <a:schemeClr val="tx1">
+                  <a:lumMod val="75000"/>
+                  <a:lumOff val="25000"/>
+                </a:schemeClr>
+              </a:solidFill>
+              <a:latin typeface="Arial" pitchFamily="34" charset="0"/>
+              <a:ea typeface="HY그래픽M" pitchFamily="18" charset="-127"/>
+              <a:cs typeface="Arial" pitchFamily="34" charset="0"/>
+            </a:endParaRPr>
+          </a:p>
+        </p:txBody>
+      </p:sp>
+      <p:cxnSp>
+        <p:nvCxnSpPr>
+          <p:cNvPr id="33" name="직선 화살표 연결선 32"/>
+          <p:cNvCxnSpPr/>
+          <p:nvPr/>
+        </p:nvCxnSpPr>
+        <p:spPr>
+          <a:xfrm>
+            <a:off x="1370833" y="2956882"/>
+            <a:ext cx="0" cy="936104"/>
+          </a:xfrm>
+          <a:prstGeom prst="straightConnector1">
+            <a:avLst/>
+          </a:prstGeom>
+          <a:ln w="12700">
+            <a:solidFill>
+              <a:schemeClr val="tx1">
+                <a:lumMod val="75000"/>
+                <a:lumOff val="25000"/>
+              </a:schemeClr>
+            </a:solidFill>
+            <a:prstDash val="sysDash"/>
+            <a:tailEnd type="arrow"/>
+          </a:ln>
+        </p:spPr>
+        <p:style>
+          <a:lnRef idx="1">
+            <a:schemeClr val="accent1"/>
+          </a:lnRef>
+          <a:fillRef idx="0">
+            <a:schemeClr val="accent1"/>
+          </a:fillRef>
+          <a:effectRef idx="0">
+            <a:schemeClr val="accent1"/>
+          </a:effectRef>
+          <a:fontRef idx="minor">
+            <a:schemeClr val="tx1"/>
+          </a:fontRef>
+        </p:style>
+      </p:cxnSp>
+      <p:cxnSp>
+        <p:nvCxnSpPr>
+          <p:cNvPr id="34" name="직선 화살표 연결선 33"/>
+          <p:cNvCxnSpPr>
+            <a:stCxn id="35" idx="3"/>
+            <a:endCxn id="37" idx="1"/>
+          </p:cNvCxnSpPr>
+          <p:nvPr/>
+        </p:nvCxnSpPr>
+        <p:spPr>
+          <a:xfrm>
+            <a:off x="4088904" y="2488830"/>
+            <a:ext cx="1080120" cy="0"/>
+          </a:xfrm>
+          <a:prstGeom prst="straightConnector1">
+            <a:avLst/>
+          </a:prstGeom>
+          <a:ln w="12700">
+            <a:solidFill>
+              <a:schemeClr val="tx1">
+                <a:lumMod val="75000"/>
+                <a:lumOff val="25000"/>
+              </a:schemeClr>
+            </a:solidFill>
+            <a:prstDash val="sysDash"/>
+            <a:tailEnd type="arrow"/>
+          </a:ln>
+        </p:spPr>
+        <p:style>
+          <a:lnRef idx="1">
+            <a:schemeClr val="accent1"/>
+          </a:lnRef>
+          <a:fillRef idx="0">
+            <a:schemeClr val="accent1"/>
+          </a:fillRef>
+          <a:effectRef idx="0">
+            <a:schemeClr val="accent1"/>
+          </a:effectRef>
+          <a:fontRef idx="minor">
+            <a:schemeClr val="tx1"/>
+          </a:fontRef>
+        </p:style>
+      </p:cxnSp>
+      <p:sp>
+        <p:nvSpPr>
+          <p:cNvPr id="35" name="직사각형 34"/>
+          <p:cNvSpPr/>
+          <p:nvPr/>
+        </p:nvSpPr>
+        <p:spPr>
+          <a:xfrm>
+            <a:off x="3800872" y="2380818"/>
+            <a:ext cx="288032" cy="216024"/>
+          </a:xfrm>
+          <a:prstGeom prst="rect">
+            <a:avLst/>
+          </a:prstGeom>
+          <a:noFill/>
+          <a:ln w="12700">
+            <a:noFill/>
+          </a:ln>
+        </p:spPr>
+        <p:style>
+          <a:lnRef idx="2">
+            <a:schemeClr val="accent1">
+              <a:shade val="50000"/>
+            </a:schemeClr>
+          </a:lnRef>
+          <a:fillRef idx="1">
+            <a:schemeClr val="accent1"/>
+          </a:fillRef>
+          <a:effectRef idx="0">
+            <a:schemeClr val="accent1"/>
+          </a:effectRef>
+          <a:fontRef idx="minor">
+            <a:schemeClr val="lt1"/>
+          </a:fontRef>
+        </p:style>
+        <p:txBody>
+          <a:bodyPr lIns="36000" tIns="36000" rIns="36000" bIns="36000" rtlCol="0" anchor="ctr"/>
+          <a:lstStyle/>
+          <a:p>
+            <a:pPr algn="ctr"/>
+            <a:endParaRPr lang="ko-KR" altLang="en-US" sz="1100" dirty="0" smtClean="0">
+              <a:solidFill>
+                <a:schemeClr val="tx1">
+                  <a:lumMod val="75000"/>
+                  <a:lumOff val="25000"/>
+                </a:schemeClr>
+              </a:solidFill>
+              <a:latin typeface="Arial" pitchFamily="34" charset="0"/>
+              <a:ea typeface="HY그래픽M" pitchFamily="18" charset="-127"/>
+              <a:cs typeface="Arial" pitchFamily="34" charset="0"/>
+            </a:endParaRPr>
+          </a:p>
+        </p:txBody>
+      </p:sp>
+      <p:sp>
+        <p:nvSpPr>
+          <p:cNvPr id="36" name="직사각형 35"/>
+          <p:cNvSpPr/>
+          <p:nvPr/>
+        </p:nvSpPr>
+        <p:spPr>
+          <a:xfrm>
+            <a:off x="3800872" y="2596842"/>
+            <a:ext cx="288032" cy="216024"/>
+          </a:xfrm>
+          <a:prstGeom prst="rect">
+            <a:avLst/>
+          </a:prstGeom>
+          <a:noFill/>
+          <a:ln w="12700">
+            <a:noFill/>
+          </a:ln>
+        </p:spPr>
+        <p:style>
+          <a:lnRef idx="2">
+            <a:schemeClr val="accent1">
+              <a:shade val="50000"/>
+            </a:schemeClr>
+          </a:lnRef>
+          <a:fillRef idx="1">
+            <a:schemeClr val="accent1"/>
+          </a:fillRef>
+          <a:effectRef idx="0">
+            <a:schemeClr val="accent1"/>
+          </a:effectRef>
+          <a:fontRef idx="minor">
+            <a:schemeClr val="lt1"/>
+          </a:fontRef>
+        </p:style>
+        <p:txBody>
+          <a:bodyPr lIns="36000" tIns="36000" rIns="36000" bIns="36000" rtlCol="0" anchor="ctr"/>
+          <a:lstStyle/>
+          <a:p>
+            <a:pPr algn="ctr"/>
+            <a:endParaRPr lang="ko-KR" altLang="en-US" sz="1100" dirty="0" smtClean="0">
+              <a:solidFill>
+                <a:schemeClr val="tx1">
+                  <a:lumMod val="75000"/>
+                  <a:lumOff val="25000"/>
+                </a:schemeClr>
+              </a:solidFill>
+              <a:latin typeface="Arial" pitchFamily="34" charset="0"/>
+              <a:ea typeface="HY그래픽M" pitchFamily="18" charset="-127"/>
+              <a:cs typeface="Arial" pitchFamily="34" charset="0"/>
+            </a:endParaRPr>
+          </a:p>
+        </p:txBody>
+      </p:sp>
+      <p:sp>
+        <p:nvSpPr>
+          <p:cNvPr id="37" name="직사각형 36"/>
+          <p:cNvSpPr/>
+          <p:nvPr/>
+        </p:nvSpPr>
+        <p:spPr>
+          <a:xfrm>
+            <a:off x="5169024" y="2380818"/>
+            <a:ext cx="288032" cy="216024"/>
+          </a:xfrm>
+          <a:prstGeom prst="rect">
+            <a:avLst/>
+          </a:prstGeom>
+          <a:noFill/>
+          <a:ln w="12700">
+            <a:noFill/>
+          </a:ln>
+        </p:spPr>
+        <p:style>
+          <a:lnRef idx="2">
+            <a:schemeClr val="accent1">
+              <a:shade val="50000"/>
+            </a:schemeClr>
+          </a:lnRef>
+          <a:fillRef idx="1">
+            <a:schemeClr val="accent1"/>
+          </a:fillRef>
+          <a:effectRef idx="0">
+            <a:schemeClr val="accent1"/>
+          </a:effectRef>
+          <a:fontRef idx="minor">
+            <a:schemeClr val="lt1"/>
+          </a:fontRef>
+        </p:style>
+        <p:txBody>
+          <a:bodyPr lIns="36000" tIns="36000" rIns="36000" bIns="36000" rtlCol="0" anchor="ctr"/>
+          <a:lstStyle/>
+          <a:p>
+            <a:pPr algn="ctr"/>
+            <a:endParaRPr lang="ko-KR" altLang="en-US" sz="1100" dirty="0" smtClean="0">
+              <a:solidFill>
+                <a:schemeClr val="tx1">
+                  <a:lumMod val="75000"/>
+                  <a:lumOff val="25000"/>
+                </a:schemeClr>
+              </a:solidFill>
+              <a:latin typeface="Arial" pitchFamily="34" charset="0"/>
+              <a:ea typeface="HY그래픽M" pitchFamily="18" charset="-127"/>
+              <a:cs typeface="Arial" pitchFamily="34" charset="0"/>
+            </a:endParaRPr>
+          </a:p>
+        </p:txBody>
+      </p:sp>
+      <p:sp>
+        <p:nvSpPr>
+          <p:cNvPr id="38" name="직사각형 37"/>
+          <p:cNvSpPr/>
+          <p:nvPr/>
+        </p:nvSpPr>
+        <p:spPr>
+          <a:xfrm>
+            <a:off x="5169024" y="2596842"/>
+            <a:ext cx="288032" cy="216024"/>
+          </a:xfrm>
+          <a:prstGeom prst="rect">
+            <a:avLst/>
+          </a:prstGeom>
+          <a:noFill/>
+          <a:ln w="12700">
+            <a:noFill/>
+          </a:ln>
+        </p:spPr>
+        <p:style>
+          <a:lnRef idx="2">
+            <a:schemeClr val="accent1">
+              <a:shade val="50000"/>
+            </a:schemeClr>
+          </a:lnRef>
+          <a:fillRef idx="1">
+            <a:schemeClr val="accent1"/>
+          </a:fillRef>
+          <a:effectRef idx="0">
+            <a:schemeClr val="accent1"/>
+          </a:effectRef>
+          <a:fontRef idx="minor">
+            <a:schemeClr val="lt1"/>
+          </a:fontRef>
+        </p:style>
+        <p:txBody>
+          <a:bodyPr lIns="36000" tIns="36000" rIns="36000" bIns="36000" rtlCol="0" anchor="ctr"/>
+          <a:lstStyle/>
+          <a:p>
+            <a:pPr algn="ctr"/>
+            <a:endParaRPr lang="ko-KR" altLang="en-US" sz="1100" dirty="0" smtClean="0">
+              <a:solidFill>
+                <a:schemeClr val="tx1">
+                  <a:lumMod val="75000"/>
+                  <a:lumOff val="25000"/>
+                </a:schemeClr>
+              </a:solidFill>
+              <a:latin typeface="Arial" pitchFamily="34" charset="0"/>
+              <a:ea typeface="HY그래픽M" pitchFamily="18" charset="-127"/>
+              <a:cs typeface="Arial" pitchFamily="34" charset="0"/>
+            </a:endParaRPr>
+          </a:p>
+        </p:txBody>
+      </p:sp>
+      <p:cxnSp>
+        <p:nvCxnSpPr>
+          <p:cNvPr id="39" name="직선 화살표 연결선 38"/>
+          <p:cNvCxnSpPr>
+            <a:stCxn id="38" idx="1"/>
+            <a:endCxn id="36" idx="3"/>
+          </p:cNvCxnSpPr>
+          <p:nvPr/>
+        </p:nvCxnSpPr>
+        <p:spPr>
+          <a:xfrm flipH="1">
+            <a:off x="4088904" y="2704854"/>
+            <a:ext cx="1080120" cy="0"/>
+          </a:xfrm>
+          <a:prstGeom prst="straightConnector1">
+            <a:avLst/>
+          </a:prstGeom>
+          <a:ln w="12700">
+            <a:solidFill>
+              <a:schemeClr val="tx1">
+                <a:lumMod val="75000"/>
+                <a:lumOff val="25000"/>
+              </a:schemeClr>
+            </a:solidFill>
+            <a:prstDash val="sysDash"/>
+            <a:tailEnd type="arrow"/>
+          </a:ln>
+        </p:spPr>
+        <p:style>
+          <a:lnRef idx="1">
+            <a:schemeClr val="accent1"/>
+          </a:lnRef>
+          <a:fillRef idx="0">
+            <a:schemeClr val="accent1"/>
+          </a:fillRef>
+          <a:effectRef idx="0">
+            <a:schemeClr val="accent1"/>
+          </a:effectRef>
+          <a:fontRef idx="minor">
+            <a:schemeClr val="tx1"/>
+          </a:fontRef>
+        </p:style>
+      </p:cxnSp>
+      <p:sp>
+        <p:nvSpPr>
+          <p:cNvPr id="40" name="직사각형 39"/>
+          <p:cNvSpPr/>
+          <p:nvPr/>
+        </p:nvSpPr>
+        <p:spPr>
+          <a:xfrm>
+            <a:off x="5961112" y="2380818"/>
+            <a:ext cx="288032" cy="216024"/>
+          </a:xfrm>
+          <a:prstGeom prst="rect">
+            <a:avLst/>
+          </a:prstGeom>
+          <a:noFill/>
+          <a:ln w="12700">
+            <a:noFill/>
+          </a:ln>
+        </p:spPr>
+        <p:style>
+          <a:lnRef idx="2">
+            <a:schemeClr val="accent1">
+              <a:shade val="50000"/>
+            </a:schemeClr>
+          </a:lnRef>
+          <a:fillRef idx="1">
+            <a:schemeClr val="accent1"/>
+          </a:fillRef>
+          <a:effectRef idx="0">
+            <a:schemeClr val="accent1"/>
+          </a:effectRef>
+          <a:fontRef idx="minor">
+            <a:schemeClr val="lt1"/>
+          </a:fontRef>
+        </p:style>
+        <p:txBody>
+          <a:bodyPr lIns="36000" tIns="36000" rIns="36000" bIns="36000" rtlCol="0" anchor="ctr"/>
+          <a:lstStyle/>
+          <a:p>
+            <a:pPr algn="ctr"/>
+            <a:endParaRPr lang="ko-KR" altLang="en-US" sz="1100" dirty="0" smtClean="0">
+              <a:solidFill>
+                <a:schemeClr val="tx1">
+                  <a:lumMod val="75000"/>
+                  <a:lumOff val="25000"/>
+                </a:schemeClr>
+              </a:solidFill>
+              <a:latin typeface="Arial" pitchFamily="34" charset="0"/>
+              <a:ea typeface="HY그래픽M" pitchFamily="18" charset="-127"/>
+              <a:cs typeface="Arial" pitchFamily="34" charset="0"/>
+            </a:endParaRPr>
+          </a:p>
+        </p:txBody>
+      </p:sp>
+      <p:sp>
+        <p:nvSpPr>
+          <p:cNvPr id="41" name="직사각형 40"/>
+          <p:cNvSpPr/>
+          <p:nvPr/>
+        </p:nvSpPr>
+        <p:spPr>
+          <a:xfrm>
+            <a:off x="5961112" y="2596842"/>
+            <a:ext cx="288032" cy="216024"/>
+          </a:xfrm>
+          <a:prstGeom prst="rect">
+            <a:avLst/>
+          </a:prstGeom>
+          <a:noFill/>
+          <a:ln w="12700">
+            <a:noFill/>
+          </a:ln>
+        </p:spPr>
+        <p:style>
+          <a:lnRef idx="2">
+            <a:schemeClr val="accent1">
+              <a:shade val="50000"/>
+            </a:schemeClr>
+          </a:lnRef>
+          <a:fillRef idx="1">
+            <a:schemeClr val="accent1"/>
+          </a:fillRef>
+          <a:effectRef idx="0">
+            <a:schemeClr val="accent1"/>
+          </a:effectRef>
+          <a:fontRef idx="minor">
+            <a:schemeClr val="lt1"/>
+          </a:fontRef>
+        </p:style>
+        <p:txBody>
+          <a:bodyPr lIns="36000" tIns="36000" rIns="36000" bIns="36000" rtlCol="0" anchor="ctr"/>
+          <a:lstStyle/>
+          <a:p>
+            <a:pPr algn="ctr"/>
+            <a:endParaRPr lang="ko-KR" altLang="en-US" sz="1100" dirty="0" smtClean="0">
+              <a:solidFill>
+                <a:schemeClr val="tx1">
+                  <a:lumMod val="75000"/>
+                  <a:lumOff val="25000"/>
+                </a:schemeClr>
+              </a:solidFill>
+              <a:latin typeface="Arial" pitchFamily="34" charset="0"/>
+              <a:ea typeface="HY그래픽M" pitchFamily="18" charset="-127"/>
+              <a:cs typeface="Arial" pitchFamily="34" charset="0"/>
+            </a:endParaRPr>
+          </a:p>
+        </p:txBody>
+      </p:sp>
+      <p:sp>
+        <p:nvSpPr>
+          <p:cNvPr id="42" name="직사각형 41"/>
+          <p:cNvSpPr/>
+          <p:nvPr/>
+        </p:nvSpPr>
+        <p:spPr>
+          <a:xfrm>
+            <a:off x="7329264" y="2380818"/>
+            <a:ext cx="288032" cy="216024"/>
+          </a:xfrm>
+          <a:prstGeom prst="rect">
+            <a:avLst/>
+          </a:prstGeom>
+          <a:noFill/>
+          <a:ln w="12700">
+            <a:noFill/>
+          </a:ln>
+        </p:spPr>
+        <p:style>
+          <a:lnRef idx="2">
+            <a:schemeClr val="accent1">
+              <a:shade val="50000"/>
+            </a:schemeClr>
+          </a:lnRef>
+          <a:fillRef idx="1">
+            <a:schemeClr val="accent1"/>
+          </a:fillRef>
+          <a:effectRef idx="0">
+            <a:schemeClr val="accent1"/>
+          </a:effectRef>
+          <a:fontRef idx="minor">
+            <a:schemeClr val="lt1"/>
+          </a:fontRef>
+        </p:style>
+        <p:txBody>
+          <a:bodyPr lIns="36000" tIns="36000" rIns="36000" bIns="36000" rtlCol="0" anchor="ctr"/>
+          <a:lstStyle/>
+          <a:p>
+            <a:pPr algn="ctr"/>
+            <a:endParaRPr lang="ko-KR" altLang="en-US" sz="1100" dirty="0" smtClean="0">
+              <a:solidFill>
+                <a:schemeClr val="tx1">
+                  <a:lumMod val="75000"/>
+                  <a:lumOff val="25000"/>
+                </a:schemeClr>
+              </a:solidFill>
+              <a:latin typeface="Arial" pitchFamily="34" charset="0"/>
+              <a:ea typeface="HY그래픽M" pitchFamily="18" charset="-127"/>
+              <a:cs typeface="Arial" pitchFamily="34" charset="0"/>
+            </a:endParaRPr>
+          </a:p>
+        </p:txBody>
+      </p:sp>
+      <p:sp>
+        <p:nvSpPr>
+          <p:cNvPr id="43" name="직사각형 42"/>
+          <p:cNvSpPr/>
+          <p:nvPr/>
+        </p:nvSpPr>
+        <p:spPr>
+          <a:xfrm>
+            <a:off x="7329264" y="2596842"/>
+            <a:ext cx="288032" cy="216024"/>
+          </a:xfrm>
+          <a:prstGeom prst="rect">
+            <a:avLst/>
+          </a:prstGeom>
+          <a:noFill/>
+          <a:ln w="12700">
+            <a:noFill/>
+          </a:ln>
+        </p:spPr>
+        <p:style>
+          <a:lnRef idx="2">
+            <a:schemeClr val="accent1">
+              <a:shade val="50000"/>
+            </a:schemeClr>
+          </a:lnRef>
+          <a:fillRef idx="1">
+            <a:schemeClr val="accent1"/>
+          </a:fillRef>
+          <a:effectRef idx="0">
+            <a:schemeClr val="accent1"/>
+          </a:effectRef>
+          <a:fontRef idx="minor">
+            <a:schemeClr val="lt1"/>
+          </a:fontRef>
+        </p:style>
+        <p:txBody>
+          <a:bodyPr lIns="36000" tIns="36000" rIns="36000" bIns="36000" rtlCol="0" anchor="ctr"/>
+          <a:lstStyle/>
+          <a:p>
+            <a:pPr algn="ctr"/>
+            <a:endParaRPr lang="ko-KR" altLang="en-US" sz="1100" dirty="0" smtClean="0">
+              <a:solidFill>
+                <a:schemeClr val="tx1">
+                  <a:lumMod val="75000"/>
+                  <a:lumOff val="25000"/>
+                </a:schemeClr>
+              </a:solidFill>
+              <a:latin typeface="Arial" pitchFamily="34" charset="0"/>
+              <a:ea typeface="HY그래픽M" pitchFamily="18" charset="-127"/>
+              <a:cs typeface="Arial" pitchFamily="34" charset="0"/>
+            </a:endParaRPr>
+          </a:p>
+        </p:txBody>
+      </p:sp>
+      <p:cxnSp>
+        <p:nvCxnSpPr>
+          <p:cNvPr id="44" name="직선 화살표 연결선 43"/>
+          <p:cNvCxnSpPr>
+            <a:stCxn id="40" idx="3"/>
+            <a:endCxn id="42" idx="1"/>
+          </p:cNvCxnSpPr>
+          <p:nvPr/>
+        </p:nvCxnSpPr>
+        <p:spPr>
+          <a:xfrm>
+            <a:off x="6249144" y="2488830"/>
+            <a:ext cx="1080120" cy="0"/>
+          </a:xfrm>
+          <a:prstGeom prst="straightConnector1">
+            <a:avLst/>
+          </a:prstGeom>
+          <a:ln w="12700">
+            <a:solidFill>
+              <a:schemeClr val="tx1">
+                <a:lumMod val="75000"/>
+                <a:lumOff val="25000"/>
+              </a:schemeClr>
+            </a:solidFill>
+            <a:prstDash val="sysDash"/>
+            <a:tailEnd type="arrow"/>
+          </a:ln>
+        </p:spPr>
+        <p:style>
+          <a:lnRef idx="1">
+            <a:schemeClr val="accent1"/>
+          </a:lnRef>
+          <a:fillRef idx="0">
+            <a:schemeClr val="accent1"/>
+          </a:fillRef>
+          <a:effectRef idx="0">
+            <a:schemeClr val="accent1"/>
+          </a:effectRef>
+          <a:fontRef idx="minor">
+            <a:schemeClr val="tx1"/>
+          </a:fontRef>
+        </p:style>
+      </p:cxnSp>
+      <p:cxnSp>
+        <p:nvCxnSpPr>
+          <p:cNvPr id="45" name="직선 화살표 연결선 44"/>
+          <p:cNvCxnSpPr>
+            <a:stCxn id="43" idx="1"/>
+            <a:endCxn id="41" idx="3"/>
+          </p:cNvCxnSpPr>
+          <p:nvPr/>
+        </p:nvCxnSpPr>
+        <p:spPr>
+          <a:xfrm flipH="1">
+            <a:off x="6249144" y="2704854"/>
+            <a:ext cx="1080120" cy="0"/>
+          </a:xfrm>
+          <a:prstGeom prst="straightConnector1">
+            <a:avLst/>
+          </a:prstGeom>
+          <a:ln w="12700">
+            <a:solidFill>
+              <a:schemeClr val="tx1">
+                <a:lumMod val="75000"/>
+                <a:lumOff val="25000"/>
+              </a:schemeClr>
+            </a:solidFill>
+            <a:prstDash val="sysDash"/>
+            <a:tailEnd type="arrow"/>
+          </a:ln>
+        </p:spPr>
+        <p:style>
+          <a:lnRef idx="1">
+            <a:schemeClr val="accent1"/>
+          </a:lnRef>
+          <a:fillRef idx="0">
+            <a:schemeClr val="accent1"/>
+          </a:fillRef>
+          <a:effectRef idx="0">
+            <a:schemeClr val="accent1"/>
+          </a:effectRef>
+          <a:fontRef idx="minor">
+            <a:schemeClr val="tx1"/>
+          </a:fontRef>
+        </p:style>
+      </p:cxnSp>
+      <p:cxnSp>
+        <p:nvCxnSpPr>
+          <p:cNvPr id="46" name="직선 화살표 연결선 45"/>
+          <p:cNvCxnSpPr>
+            <a:endCxn id="19" idx="0"/>
+          </p:cNvCxnSpPr>
+          <p:nvPr/>
+        </p:nvCxnSpPr>
+        <p:spPr>
+          <a:xfrm>
+            <a:off x="3548844" y="2956882"/>
+            <a:ext cx="0" cy="936104"/>
+          </a:xfrm>
+          <a:prstGeom prst="straightConnector1">
+            <a:avLst/>
+          </a:prstGeom>
+          <a:ln w="12700">
+            <a:solidFill>
+              <a:schemeClr val="tx1">
+                <a:lumMod val="75000"/>
+                <a:lumOff val="25000"/>
+              </a:schemeClr>
+            </a:solidFill>
+            <a:prstDash val="sysDash"/>
+            <a:tailEnd type="arrow"/>
+          </a:ln>
+        </p:spPr>
+        <p:style>
+          <a:lnRef idx="1">
+            <a:schemeClr val="accent1"/>
+          </a:lnRef>
+          <a:fillRef idx="0">
+            <a:schemeClr val="accent1"/>
+          </a:fillRef>
+          <a:effectRef idx="0">
+            <a:schemeClr val="accent1"/>
+          </a:effectRef>
+          <a:fontRef idx="minor">
+            <a:schemeClr val="tx1"/>
+          </a:fontRef>
+        </p:style>
+      </p:cxnSp>
+      <p:cxnSp>
+        <p:nvCxnSpPr>
+          <p:cNvPr id="47" name="직선 화살표 연결선 46"/>
+          <p:cNvCxnSpPr>
+            <a:stCxn id="59" idx="0"/>
+            <a:endCxn id="20" idx="0"/>
+          </p:cNvCxnSpPr>
+          <p:nvPr/>
+        </p:nvCxnSpPr>
+        <p:spPr>
+          <a:xfrm>
+            <a:off x="4950543" y="3388930"/>
+            <a:ext cx="0" cy="504056"/>
+          </a:xfrm>
+          <a:prstGeom prst="straightConnector1">
+            <a:avLst/>
+          </a:prstGeom>
+          <a:ln w="12700">
+            <a:solidFill>
+              <a:schemeClr val="tx1">
+                <a:lumMod val="75000"/>
+                <a:lumOff val="25000"/>
+              </a:schemeClr>
+            </a:solidFill>
+            <a:prstDash val="sysDash"/>
+            <a:tailEnd type="arrow"/>
+          </a:ln>
+        </p:spPr>
+        <p:style>
+          <a:lnRef idx="1">
+            <a:schemeClr val="accent1"/>
+          </a:lnRef>
+          <a:fillRef idx="0">
+            <a:schemeClr val="accent1"/>
+          </a:fillRef>
+          <a:effectRef idx="0">
+            <a:schemeClr val="accent1"/>
+          </a:effectRef>
+          <a:fontRef idx="minor">
+            <a:schemeClr val="tx1"/>
+          </a:fontRef>
+        </p:style>
+      </p:cxnSp>
+      <p:cxnSp>
+        <p:nvCxnSpPr>
+          <p:cNvPr id="48" name="직선 화살표 연결선 47"/>
+          <p:cNvCxnSpPr>
+            <a:stCxn id="58" idx="0"/>
+            <a:endCxn id="21" idx="0"/>
+          </p:cNvCxnSpPr>
+          <p:nvPr/>
+        </p:nvCxnSpPr>
+        <p:spPr>
+          <a:xfrm>
+            <a:off x="6429164" y="3388930"/>
+            <a:ext cx="0" cy="504056"/>
+          </a:xfrm>
+          <a:prstGeom prst="straightConnector1">
+            <a:avLst/>
+          </a:prstGeom>
+          <a:ln w="12700">
+            <a:solidFill>
+              <a:schemeClr val="tx1">
+                <a:lumMod val="75000"/>
+                <a:lumOff val="25000"/>
+              </a:schemeClr>
+            </a:solidFill>
+            <a:prstDash val="sysDash"/>
+            <a:tailEnd type="arrow"/>
+          </a:ln>
+        </p:spPr>
+        <p:style>
+          <a:lnRef idx="1">
+            <a:schemeClr val="accent1"/>
+          </a:lnRef>
+          <a:fillRef idx="0">
+            <a:schemeClr val="accent1"/>
+          </a:fillRef>
+          <a:effectRef idx="0">
+            <a:schemeClr val="accent1"/>
+          </a:effectRef>
+          <a:fontRef idx="minor">
+            <a:schemeClr val="tx1"/>
+          </a:fontRef>
+        </p:style>
+      </p:cxnSp>
+      <p:cxnSp>
+        <p:nvCxnSpPr>
+          <p:cNvPr id="49" name="직선 화살표 연결선 48"/>
+          <p:cNvCxnSpPr/>
+          <p:nvPr/>
+        </p:nvCxnSpPr>
+        <p:spPr>
+          <a:xfrm>
+            <a:off x="1280592" y="5949280"/>
+            <a:ext cx="360040" cy="0"/>
+          </a:xfrm>
+          <a:prstGeom prst="straightConnector1">
+            <a:avLst/>
+          </a:prstGeom>
+          <a:ln w="12700">
+            <a:solidFill>
+              <a:srgbClr val="FF0000"/>
+            </a:solidFill>
+            <a:prstDash val="solid"/>
+            <a:tailEnd type="stealth"/>
+          </a:ln>
+        </p:spPr>
+        <p:style>
+          <a:lnRef idx="1">
+            <a:schemeClr val="accent1"/>
+          </a:lnRef>
+          <a:fillRef idx="0">
+            <a:schemeClr val="accent1"/>
+          </a:fillRef>
+          <a:effectRef idx="0">
+            <a:schemeClr val="accent1"/>
+          </a:effectRef>
+          <a:fontRef idx="minor">
+            <a:schemeClr val="tx1"/>
+          </a:fontRef>
+        </p:style>
+      </p:cxnSp>
+      <p:sp>
+        <p:nvSpPr>
+          <p:cNvPr id="50" name="모서리가 둥근 직사각형 49"/>
+          <p:cNvSpPr/>
+          <p:nvPr/>
+        </p:nvSpPr>
+        <p:spPr>
+          <a:xfrm>
+            <a:off x="1712640" y="5805264"/>
+            <a:ext cx="1728192" cy="288032"/>
+          </a:xfrm>
+          <a:prstGeom prst="roundRect">
+            <a:avLst>
+              <a:gd name="adj" fmla="val 38184"/>
+            </a:avLst>
+          </a:prstGeom>
+          <a:noFill/>
+          <a:ln w="12700">
+            <a:noFill/>
+          </a:ln>
+        </p:spPr>
+        <p:style>
+          <a:lnRef idx="2">
+            <a:schemeClr val="accent1">
+              <a:shade val="50000"/>
+            </a:schemeClr>
+          </a:lnRef>
+          <a:fillRef idx="1">
+            <a:schemeClr val="accent1"/>
+          </a:fillRef>
+          <a:effectRef idx="0">
+            <a:schemeClr val="accent1"/>
+          </a:effectRef>
+          <a:fontRef idx="minor">
+            <a:schemeClr val="lt1"/>
+          </a:fontRef>
+        </p:style>
+        <p:txBody>
+          <a:bodyPr lIns="36000" tIns="36000" rIns="36000" bIns="36000" rtlCol="0" anchor="ctr"/>
+          <a:lstStyle/>
+          <a:p>
+            <a:r>
+              <a:rPr lang="en-US" altLang="ko-KR" sz="1100" dirty="0" smtClean="0">
+                <a:solidFill>
+                  <a:schemeClr val="tx1">
+                    <a:lumMod val="75000"/>
+                    <a:lumOff val="25000"/>
+                  </a:schemeClr>
+                </a:solidFill>
+                <a:latin typeface="Arial" pitchFamily="34" charset="0"/>
+                <a:ea typeface="HY그래픽M" pitchFamily="18" charset="-127"/>
+                <a:cs typeface="Arial" pitchFamily="34" charset="0"/>
+              </a:rPr>
+              <a:t>Receive alarm message </a:t>
+            </a:r>
+            <a:endParaRPr lang="ko-KR" altLang="en-US" sz="1100" dirty="0" smtClean="0">
+              <a:solidFill>
+                <a:schemeClr val="tx1">
+                  <a:lumMod val="75000"/>
+                  <a:lumOff val="25000"/>
+                </a:schemeClr>
+              </a:solidFill>
+              <a:latin typeface="Arial" pitchFamily="34" charset="0"/>
+              <a:ea typeface="HY그래픽M" pitchFamily="18" charset="-127"/>
+              <a:cs typeface="Arial" pitchFamily="34" charset="0"/>
+            </a:endParaRPr>
+          </a:p>
+        </p:txBody>
+      </p:sp>
+      <p:cxnSp>
+        <p:nvCxnSpPr>
+          <p:cNvPr id="51" name="직선 화살표 연결선 50"/>
+          <p:cNvCxnSpPr>
+            <a:stCxn id="23" idx="2"/>
+            <a:endCxn id="17" idx="0"/>
+          </p:cNvCxnSpPr>
+          <p:nvPr/>
+        </p:nvCxnSpPr>
+        <p:spPr>
+          <a:xfrm>
+            <a:off x="7869324" y="2956882"/>
+            <a:ext cx="0" cy="936104"/>
+          </a:xfrm>
+          <a:prstGeom prst="straightConnector1">
+            <a:avLst/>
+          </a:prstGeom>
+          <a:ln w="9525">
+            <a:solidFill>
+              <a:srgbClr val="FF0000"/>
+            </a:solidFill>
+            <a:prstDash val="solid"/>
+            <a:tailEnd type="stealth"/>
+          </a:ln>
+        </p:spPr>
+        <p:style>
+          <a:lnRef idx="1">
+            <a:schemeClr val="accent1"/>
+          </a:lnRef>
+          <a:fillRef idx="0">
+            <a:schemeClr val="accent1"/>
+          </a:fillRef>
+          <a:effectRef idx="0">
+            <a:schemeClr val="accent1"/>
+          </a:effectRef>
+          <a:fontRef idx="minor">
+            <a:schemeClr val="tx1"/>
+          </a:fontRef>
+        </p:style>
+      </p:cxnSp>
+      <p:cxnSp>
+        <p:nvCxnSpPr>
+          <p:cNvPr id="52" name="직선 화살표 연결선 51"/>
+          <p:cNvCxnSpPr>
+            <a:stCxn id="53" idx="2"/>
+            <a:endCxn id="18" idx="0"/>
+          </p:cNvCxnSpPr>
+          <p:nvPr/>
+        </p:nvCxnSpPr>
+        <p:spPr>
+          <a:xfrm>
+            <a:off x="3548844" y="2020778"/>
+            <a:ext cx="0" cy="216024"/>
+          </a:xfrm>
+          <a:prstGeom prst="straightConnector1">
+            <a:avLst/>
+          </a:prstGeom>
+          <a:ln w="12700">
+            <a:solidFill>
+              <a:schemeClr val="tx1">
+                <a:lumMod val="75000"/>
+                <a:lumOff val="25000"/>
+              </a:schemeClr>
+            </a:solidFill>
+            <a:prstDash val="sysDash"/>
+            <a:tailEnd type="arrow"/>
+          </a:ln>
+        </p:spPr>
+        <p:style>
+          <a:lnRef idx="1">
+            <a:schemeClr val="accent1"/>
+          </a:lnRef>
+          <a:fillRef idx="0">
+            <a:schemeClr val="accent1"/>
+          </a:fillRef>
+          <a:effectRef idx="0">
+            <a:schemeClr val="accent1"/>
+          </a:effectRef>
+          <a:fontRef idx="minor">
+            <a:schemeClr val="tx1"/>
+          </a:fontRef>
+        </p:style>
+      </p:cxnSp>
+      <p:sp>
+        <p:nvSpPr>
+          <p:cNvPr id="53" name="직사각형 52"/>
+          <p:cNvSpPr/>
+          <p:nvPr/>
+        </p:nvSpPr>
+        <p:spPr>
+          <a:xfrm>
+            <a:off x="3368824" y="1804754"/>
+            <a:ext cx="360040" cy="216024"/>
+          </a:xfrm>
+          <a:prstGeom prst="rect">
+            <a:avLst/>
+          </a:prstGeom>
+          <a:noFill/>
+          <a:ln w="12700">
+            <a:noFill/>
+          </a:ln>
+        </p:spPr>
+        <p:style>
+          <a:lnRef idx="2">
+            <a:schemeClr val="accent1">
+              <a:shade val="50000"/>
+            </a:schemeClr>
+          </a:lnRef>
+          <a:fillRef idx="1">
+            <a:schemeClr val="accent1"/>
+          </a:fillRef>
+          <a:effectRef idx="0">
+            <a:schemeClr val="accent1"/>
+          </a:effectRef>
+          <a:fontRef idx="minor">
+            <a:schemeClr val="lt1"/>
+          </a:fontRef>
+        </p:style>
+        <p:txBody>
+          <a:bodyPr lIns="36000" tIns="36000" rIns="36000" bIns="36000" rtlCol="0" anchor="ctr"/>
+          <a:lstStyle/>
+          <a:p>
+            <a:pPr algn="ctr"/>
+            <a:endParaRPr lang="ko-KR" altLang="en-US" sz="1100" dirty="0" smtClean="0">
+              <a:solidFill>
+                <a:schemeClr val="tx1">
+                  <a:lumMod val="75000"/>
+                  <a:lumOff val="25000"/>
+                </a:schemeClr>
+              </a:solidFill>
+              <a:latin typeface="Arial" pitchFamily="34" charset="0"/>
+              <a:ea typeface="HY그래픽M" pitchFamily="18" charset="-127"/>
+              <a:cs typeface="Arial" pitchFamily="34" charset="0"/>
+            </a:endParaRPr>
+          </a:p>
+        </p:txBody>
+      </p:sp>
+      <p:cxnSp>
+        <p:nvCxnSpPr>
+          <p:cNvPr id="54" name="Shape 91"/>
+          <p:cNvCxnSpPr>
+            <a:stCxn id="23" idx="0"/>
+            <a:endCxn id="53" idx="3"/>
+          </p:cNvCxnSpPr>
+          <p:nvPr/>
+        </p:nvCxnSpPr>
+        <p:spPr>
+          <a:xfrm rot="16200000" flipV="1">
+            <a:off x="5637076" y="4554"/>
+            <a:ext cx="324036" cy="4140460"/>
+          </a:xfrm>
+          <a:prstGeom prst="bentConnector2">
+            <a:avLst/>
+          </a:prstGeom>
+          <a:ln w="12700">
+            <a:solidFill>
+              <a:schemeClr val="tx1">
+                <a:lumMod val="75000"/>
+                <a:lumOff val="25000"/>
+              </a:schemeClr>
+            </a:solidFill>
+            <a:prstDash val="sysDash"/>
+            <a:tailEnd type="none"/>
+          </a:ln>
+        </p:spPr>
+        <p:style>
+          <a:lnRef idx="1">
+            <a:schemeClr val="accent1"/>
+          </a:lnRef>
+          <a:fillRef idx="0">
+            <a:schemeClr val="accent1"/>
+          </a:fillRef>
+          <a:effectRef idx="0">
+            <a:schemeClr val="accent1"/>
+          </a:effectRef>
+          <a:fontRef idx="minor">
+            <a:schemeClr val="tx1"/>
+          </a:fontRef>
+        </p:style>
+      </p:cxnSp>
+      <p:cxnSp>
+        <p:nvCxnSpPr>
+          <p:cNvPr id="55" name="Shape 92"/>
+          <p:cNvCxnSpPr>
+            <a:stCxn id="53" idx="3"/>
+            <a:endCxn id="53" idx="2"/>
+          </p:cNvCxnSpPr>
+          <p:nvPr/>
+        </p:nvCxnSpPr>
+        <p:spPr>
+          <a:xfrm flipH="1">
+            <a:off x="3548844" y="1912766"/>
+            <a:ext cx="180020" cy="108012"/>
+          </a:xfrm>
+          <a:prstGeom prst="bentConnector4">
+            <a:avLst>
+              <a:gd name="adj1" fmla="val 93123"/>
+              <a:gd name="adj2" fmla="val 8288"/>
+            </a:avLst>
+          </a:prstGeom>
+          <a:ln w="12700">
+            <a:solidFill>
+              <a:schemeClr val="tx1">
+                <a:lumMod val="75000"/>
+                <a:lumOff val="25000"/>
+              </a:schemeClr>
+            </a:solidFill>
+            <a:prstDash val="sysDash"/>
+            <a:tailEnd type="none"/>
+          </a:ln>
+        </p:spPr>
+        <p:style>
+          <a:lnRef idx="1">
+            <a:schemeClr val="accent1"/>
+          </a:lnRef>
+          <a:fillRef idx="0">
+            <a:schemeClr val="accent1"/>
+          </a:fillRef>
+          <a:effectRef idx="0">
+            <a:schemeClr val="accent1"/>
+          </a:effectRef>
+          <a:fontRef idx="minor">
+            <a:schemeClr val="tx1"/>
+          </a:fontRef>
+        </p:style>
+      </p:cxnSp>
+      <p:cxnSp>
+        <p:nvCxnSpPr>
+          <p:cNvPr id="56" name="직선 화살표 연결선 55"/>
+          <p:cNvCxnSpPr>
+            <a:stCxn id="57" idx="0"/>
+            <a:endCxn id="58" idx="0"/>
+          </p:cNvCxnSpPr>
+          <p:nvPr/>
+        </p:nvCxnSpPr>
+        <p:spPr>
+          <a:xfrm>
+            <a:off x="3548844" y="3388930"/>
+            <a:ext cx="2880320" cy="0"/>
+          </a:xfrm>
+          <a:prstGeom prst="straightConnector1">
+            <a:avLst/>
+          </a:prstGeom>
+          <a:ln w="12700">
+            <a:solidFill>
+              <a:schemeClr val="tx1">
+                <a:lumMod val="75000"/>
+                <a:lumOff val="25000"/>
+              </a:schemeClr>
+            </a:solidFill>
+            <a:prstDash val="sysDash"/>
+            <a:tailEnd type="none"/>
+          </a:ln>
+        </p:spPr>
+        <p:style>
+          <a:lnRef idx="1">
+            <a:schemeClr val="accent1"/>
+          </a:lnRef>
+          <a:fillRef idx="0">
+            <a:schemeClr val="accent1"/>
+          </a:fillRef>
+          <a:effectRef idx="0">
+            <a:schemeClr val="accent1"/>
+          </a:effectRef>
+          <a:fontRef idx="minor">
+            <a:schemeClr val="tx1"/>
+          </a:fontRef>
+        </p:style>
+      </p:cxnSp>
+      <p:sp>
+        <p:nvSpPr>
+          <p:cNvPr id="57" name="직사각형 56"/>
+          <p:cNvSpPr/>
+          <p:nvPr/>
+        </p:nvSpPr>
+        <p:spPr>
+          <a:xfrm>
+            <a:off x="3368824" y="3388930"/>
+            <a:ext cx="360040" cy="216024"/>
+          </a:xfrm>
+          <a:prstGeom prst="rect">
+            <a:avLst/>
+          </a:prstGeom>
+          <a:noFill/>
+          <a:ln w="12700">
+            <a:noFill/>
+          </a:ln>
+        </p:spPr>
+        <p:style>
+          <a:lnRef idx="2">
+            <a:schemeClr val="accent1">
+              <a:shade val="50000"/>
+            </a:schemeClr>
+          </a:lnRef>
+          <a:fillRef idx="1">
+            <a:schemeClr val="accent1"/>
+          </a:fillRef>
+          <a:effectRef idx="0">
+            <a:schemeClr val="accent1"/>
+          </a:effectRef>
+          <a:fontRef idx="minor">
+            <a:schemeClr val="lt1"/>
+          </a:fontRef>
+        </p:style>
+        <p:txBody>
+          <a:bodyPr lIns="36000" tIns="36000" rIns="36000" bIns="36000" rtlCol="0" anchor="ctr"/>
+          <a:lstStyle/>
+          <a:p>
+            <a:pPr algn="ctr"/>
+            <a:endParaRPr lang="ko-KR" altLang="en-US" sz="1100" dirty="0" smtClean="0">
+              <a:solidFill>
+                <a:schemeClr val="tx1">
+                  <a:lumMod val="75000"/>
+                  <a:lumOff val="25000"/>
+                </a:schemeClr>
+              </a:solidFill>
+              <a:latin typeface="Arial" pitchFamily="34" charset="0"/>
+              <a:ea typeface="HY그래픽M" pitchFamily="18" charset="-127"/>
+              <a:cs typeface="Arial" pitchFamily="34" charset="0"/>
+            </a:endParaRPr>
+          </a:p>
+        </p:txBody>
+      </p:sp>
+      <p:sp>
+        <p:nvSpPr>
+          <p:cNvPr id="58" name="직사각형 57"/>
+          <p:cNvSpPr/>
+          <p:nvPr/>
+        </p:nvSpPr>
+        <p:spPr>
+          <a:xfrm>
+            <a:off x="6177136" y="3388930"/>
+            <a:ext cx="504056" cy="216024"/>
+          </a:xfrm>
+          <a:prstGeom prst="rect">
+            <a:avLst/>
+          </a:prstGeom>
+          <a:noFill/>
+          <a:ln w="12700">
+            <a:noFill/>
+          </a:ln>
+        </p:spPr>
+        <p:style>
+          <a:lnRef idx="2">
+            <a:schemeClr val="accent1">
+              <a:shade val="50000"/>
+            </a:schemeClr>
+          </a:lnRef>
+          <a:fillRef idx="1">
+            <a:schemeClr val="accent1"/>
+          </a:fillRef>
+          <a:effectRef idx="0">
+            <a:schemeClr val="accent1"/>
+          </a:effectRef>
+          <a:fontRef idx="minor">
+            <a:schemeClr val="lt1"/>
+          </a:fontRef>
+        </p:style>
+        <p:txBody>
+          <a:bodyPr lIns="36000" tIns="36000" rIns="36000" bIns="36000" rtlCol="0" anchor="ctr"/>
+          <a:lstStyle/>
+          <a:p>
+            <a:pPr algn="ctr"/>
+            <a:endParaRPr lang="ko-KR" altLang="en-US" sz="1100" dirty="0" smtClean="0">
+              <a:solidFill>
+                <a:schemeClr val="tx1">
+                  <a:lumMod val="75000"/>
+                  <a:lumOff val="25000"/>
+                </a:schemeClr>
+              </a:solidFill>
+              <a:latin typeface="Arial" pitchFamily="34" charset="0"/>
+              <a:ea typeface="HY그래픽M" pitchFamily="18" charset="-127"/>
+              <a:cs typeface="Arial" pitchFamily="34" charset="0"/>
+            </a:endParaRPr>
+          </a:p>
+        </p:txBody>
+      </p:sp>
+      <p:sp>
+        <p:nvSpPr>
+          <p:cNvPr id="59" name="직사각형 58"/>
+          <p:cNvSpPr/>
+          <p:nvPr/>
+        </p:nvSpPr>
+        <p:spPr>
+          <a:xfrm>
+            <a:off x="4770523" y="3388930"/>
+            <a:ext cx="360040" cy="216024"/>
+          </a:xfrm>
+          <a:prstGeom prst="rect">
+            <a:avLst/>
+          </a:prstGeom>
+          <a:noFill/>
+          <a:ln w="12700">
+            <a:noFill/>
+          </a:ln>
+        </p:spPr>
+        <p:style>
+          <a:lnRef idx="2">
+            <a:schemeClr val="accent1">
+              <a:shade val="50000"/>
+            </a:schemeClr>
+          </a:lnRef>
+          <a:fillRef idx="1">
+            <a:schemeClr val="accent1"/>
+          </a:fillRef>
+          <a:effectRef idx="0">
+            <a:schemeClr val="accent1"/>
+          </a:effectRef>
+          <a:fontRef idx="minor">
+            <a:schemeClr val="lt1"/>
+          </a:fontRef>
+        </p:style>
+        <p:txBody>
+          <a:bodyPr lIns="36000" tIns="36000" rIns="36000" bIns="36000" rtlCol="0" anchor="ctr"/>
+          <a:lstStyle/>
+          <a:p>
+            <a:pPr algn="ctr"/>
+            <a:endParaRPr lang="ko-KR" altLang="en-US" sz="1100" dirty="0" smtClean="0">
+              <a:solidFill>
+                <a:schemeClr val="tx1">
+                  <a:lumMod val="75000"/>
+                  <a:lumOff val="25000"/>
+                </a:schemeClr>
+              </a:solidFill>
+              <a:latin typeface="Arial" pitchFamily="34" charset="0"/>
+              <a:ea typeface="HY그래픽M" pitchFamily="18" charset="-127"/>
+              <a:cs typeface="Arial" pitchFamily="34" charset="0"/>
+            </a:endParaRPr>
+          </a:p>
+        </p:txBody>
+      </p:sp>
+      <p:cxnSp>
+        <p:nvCxnSpPr>
+          <p:cNvPr id="60" name="직선 화살표 연결선 59"/>
+          <p:cNvCxnSpPr>
+            <a:endCxn id="64" idx="0"/>
+          </p:cNvCxnSpPr>
+          <p:nvPr/>
+        </p:nvCxnSpPr>
+        <p:spPr>
+          <a:xfrm>
+            <a:off x="5817096" y="3172906"/>
+            <a:ext cx="2052228" cy="0"/>
+          </a:xfrm>
+          <a:prstGeom prst="straightConnector1">
+            <a:avLst/>
+          </a:prstGeom>
+          <a:ln w="9525">
+            <a:solidFill>
+              <a:srgbClr val="FF0000"/>
+            </a:solidFill>
+            <a:prstDash val="solid"/>
+            <a:tailEnd type="none"/>
+          </a:ln>
+        </p:spPr>
+        <p:style>
+          <a:lnRef idx="1">
+            <a:schemeClr val="accent1"/>
+          </a:lnRef>
+          <a:fillRef idx="0">
+            <a:schemeClr val="accent1"/>
+          </a:fillRef>
+          <a:effectRef idx="0">
+            <a:schemeClr val="accent1"/>
+          </a:effectRef>
+          <a:fontRef idx="minor">
+            <a:schemeClr val="tx1"/>
+          </a:fontRef>
+        </p:style>
+      </p:cxnSp>
+      <p:cxnSp>
+        <p:nvCxnSpPr>
+          <p:cNvPr id="61" name="직선 화살표 연결선 60"/>
+          <p:cNvCxnSpPr/>
+          <p:nvPr/>
+        </p:nvCxnSpPr>
+        <p:spPr>
+          <a:xfrm flipV="1">
+            <a:off x="8913440" y="1916832"/>
+            <a:ext cx="0" cy="2340260"/>
+          </a:xfrm>
+          <a:prstGeom prst="straightConnector1">
+            <a:avLst/>
+          </a:prstGeom>
+          <a:ln w="12700">
+            <a:solidFill>
+              <a:schemeClr val="tx1">
+                <a:lumMod val="75000"/>
+                <a:lumOff val="25000"/>
+              </a:schemeClr>
+            </a:solidFill>
+            <a:prstDash val="sysDash"/>
+            <a:tailEnd type="none"/>
+          </a:ln>
+        </p:spPr>
+        <p:style>
+          <a:lnRef idx="1">
+            <a:schemeClr val="accent1"/>
+          </a:lnRef>
+          <a:fillRef idx="0">
+            <a:schemeClr val="accent1"/>
+          </a:fillRef>
+          <a:effectRef idx="0">
+            <a:schemeClr val="accent1"/>
+          </a:effectRef>
+          <a:fontRef idx="minor">
+            <a:schemeClr val="tx1"/>
+          </a:fontRef>
+        </p:style>
+      </p:cxnSp>
+      <p:cxnSp>
+        <p:nvCxnSpPr>
+          <p:cNvPr id="62" name="직선 화살표 연결선 61"/>
+          <p:cNvCxnSpPr/>
+          <p:nvPr/>
+        </p:nvCxnSpPr>
+        <p:spPr>
+          <a:xfrm>
+            <a:off x="3944888" y="3172906"/>
+            <a:ext cx="1872208" cy="0"/>
+          </a:xfrm>
+          <a:prstGeom prst="straightConnector1">
+            <a:avLst/>
+          </a:prstGeom>
+          <a:ln w="9525">
+            <a:solidFill>
+              <a:srgbClr val="FF0000"/>
+            </a:solidFill>
+            <a:prstDash val="solid"/>
+            <a:tailEnd type="none"/>
+          </a:ln>
+        </p:spPr>
+        <p:style>
+          <a:lnRef idx="1">
+            <a:schemeClr val="accent1"/>
+          </a:lnRef>
+          <a:fillRef idx="0">
+            <a:schemeClr val="accent1"/>
+          </a:fillRef>
+          <a:effectRef idx="0">
+            <a:schemeClr val="accent1"/>
+          </a:effectRef>
+          <a:fontRef idx="minor">
+            <a:schemeClr val="tx1"/>
+          </a:fontRef>
+        </p:style>
+      </p:cxnSp>
+      <p:cxnSp>
+        <p:nvCxnSpPr>
+          <p:cNvPr id="63" name="직선 화살표 연결선 62"/>
+          <p:cNvCxnSpPr/>
+          <p:nvPr/>
+        </p:nvCxnSpPr>
+        <p:spPr>
+          <a:xfrm>
+            <a:off x="3944888" y="2956882"/>
+            <a:ext cx="0" cy="216024"/>
+          </a:xfrm>
+          <a:prstGeom prst="straightConnector1">
+            <a:avLst/>
+          </a:prstGeom>
+          <a:ln w="9525">
+            <a:solidFill>
+              <a:srgbClr val="FF0000"/>
+            </a:solidFill>
+            <a:prstDash val="solid"/>
+            <a:tailEnd type="none"/>
+          </a:ln>
+        </p:spPr>
+        <p:style>
+          <a:lnRef idx="1">
+            <a:schemeClr val="accent1"/>
+          </a:lnRef>
+          <a:fillRef idx="0">
+            <a:schemeClr val="accent1"/>
+          </a:fillRef>
+          <a:effectRef idx="0">
+            <a:schemeClr val="accent1"/>
+          </a:effectRef>
+          <a:fontRef idx="minor">
+            <a:schemeClr val="tx1"/>
+          </a:fontRef>
+        </p:style>
+      </p:cxnSp>
+      <p:sp>
+        <p:nvSpPr>
+          <p:cNvPr id="64" name="직사각형 63"/>
+          <p:cNvSpPr/>
+          <p:nvPr/>
+        </p:nvSpPr>
+        <p:spPr>
+          <a:xfrm>
+            <a:off x="7689304" y="3172906"/>
+            <a:ext cx="360040" cy="216024"/>
+          </a:xfrm>
+          <a:prstGeom prst="rect">
+            <a:avLst/>
+          </a:prstGeom>
+          <a:noFill/>
+          <a:ln w="12700">
+            <a:noFill/>
+          </a:ln>
+        </p:spPr>
+        <p:style>
+          <a:lnRef idx="2">
+            <a:schemeClr val="accent1">
+              <a:shade val="50000"/>
+            </a:schemeClr>
+          </a:lnRef>
+          <a:fillRef idx="1">
+            <a:schemeClr val="accent1"/>
+          </a:fillRef>
+          <a:effectRef idx="0">
+            <a:schemeClr val="accent1"/>
+          </a:effectRef>
+          <a:fontRef idx="minor">
+            <a:schemeClr val="lt1"/>
+          </a:fontRef>
+        </p:style>
+        <p:txBody>
+          <a:bodyPr lIns="36000" tIns="36000" rIns="36000" bIns="36000" rtlCol="0" anchor="ctr"/>
+          <a:lstStyle/>
+          <a:p>
+            <a:pPr algn="ctr"/>
+            <a:endParaRPr lang="ko-KR" altLang="en-US" sz="1100" dirty="0" smtClean="0">
+              <a:solidFill>
+                <a:schemeClr val="tx1">
+                  <a:lumMod val="75000"/>
+                  <a:lumOff val="25000"/>
+                </a:schemeClr>
+              </a:solidFill>
+              <a:latin typeface="Arial" pitchFamily="34" charset="0"/>
+              <a:ea typeface="HY그래픽M" pitchFamily="18" charset="-127"/>
+              <a:cs typeface="Arial" pitchFamily="34" charset="0"/>
+            </a:endParaRPr>
+          </a:p>
+        </p:txBody>
+      </p:sp>
+      <p:cxnSp>
+        <p:nvCxnSpPr>
+          <p:cNvPr id="65" name="직선 화살표 연결선 64"/>
+          <p:cNvCxnSpPr/>
+          <p:nvPr/>
+        </p:nvCxnSpPr>
+        <p:spPr>
+          <a:xfrm>
+            <a:off x="5817096" y="2956882"/>
+            <a:ext cx="0" cy="216024"/>
+          </a:xfrm>
+          <a:prstGeom prst="straightConnector1">
+            <a:avLst/>
+          </a:prstGeom>
+          <a:ln w="9525">
+            <a:solidFill>
+              <a:srgbClr val="FF0000"/>
+            </a:solidFill>
+            <a:prstDash val="solid"/>
+            <a:tailEnd type="none"/>
+          </a:ln>
+        </p:spPr>
+        <p:style>
+          <a:lnRef idx="1">
+            <a:schemeClr val="accent1"/>
+          </a:lnRef>
+          <a:fillRef idx="0">
+            <a:schemeClr val="accent1"/>
+          </a:fillRef>
+          <a:effectRef idx="0">
+            <a:schemeClr val="accent1"/>
+          </a:effectRef>
+          <a:fontRef idx="minor">
+            <a:schemeClr val="tx1"/>
+          </a:fontRef>
+        </p:style>
+      </p:cxnSp>
+      <p:cxnSp>
+        <p:nvCxnSpPr>
+          <p:cNvPr id="66" name="직선 화살표 연결선 65"/>
+          <p:cNvCxnSpPr>
+            <a:stCxn id="67" idx="3"/>
+            <a:endCxn id="68" idx="1"/>
+          </p:cNvCxnSpPr>
+          <p:nvPr/>
+        </p:nvCxnSpPr>
+        <p:spPr>
+          <a:xfrm>
+            <a:off x="7869768" y="1912766"/>
+            <a:ext cx="1043672" cy="0"/>
+          </a:xfrm>
+          <a:prstGeom prst="straightConnector1">
+            <a:avLst/>
+          </a:prstGeom>
+          <a:ln w="12700">
+            <a:solidFill>
+              <a:schemeClr val="tx1">
+                <a:lumMod val="75000"/>
+                <a:lumOff val="25000"/>
+              </a:schemeClr>
+            </a:solidFill>
+            <a:prstDash val="sysDash"/>
+            <a:tailEnd type="none"/>
+          </a:ln>
+        </p:spPr>
+        <p:style>
+          <a:lnRef idx="1">
+            <a:schemeClr val="accent1"/>
+          </a:lnRef>
+          <a:fillRef idx="0">
+            <a:schemeClr val="accent1"/>
+          </a:fillRef>
+          <a:effectRef idx="0">
+            <a:schemeClr val="accent1"/>
+          </a:effectRef>
+          <a:fontRef idx="minor">
+            <a:schemeClr val="tx1"/>
+          </a:fontRef>
+        </p:style>
+      </p:cxnSp>
+      <p:sp>
+        <p:nvSpPr>
+          <p:cNvPr id="67" name="직사각형 66"/>
+          <p:cNvSpPr/>
+          <p:nvPr/>
+        </p:nvSpPr>
+        <p:spPr>
+          <a:xfrm>
+            <a:off x="7509728" y="1804754"/>
+            <a:ext cx="360040" cy="216024"/>
+          </a:xfrm>
+          <a:prstGeom prst="rect">
+            <a:avLst/>
+          </a:prstGeom>
+          <a:noFill/>
+          <a:ln w="12700">
+            <a:noFill/>
+          </a:ln>
+        </p:spPr>
+        <p:style>
+          <a:lnRef idx="2">
+            <a:schemeClr val="accent1">
+              <a:shade val="50000"/>
+            </a:schemeClr>
+          </a:lnRef>
+          <a:fillRef idx="1">
+            <a:schemeClr val="accent1"/>
+          </a:fillRef>
+          <a:effectRef idx="0">
+            <a:schemeClr val="accent1"/>
+          </a:effectRef>
+          <a:fontRef idx="minor">
+            <a:schemeClr val="lt1"/>
+          </a:fontRef>
+        </p:style>
+        <p:txBody>
+          <a:bodyPr lIns="36000" tIns="36000" rIns="36000" bIns="36000" rtlCol="0" anchor="ctr"/>
+          <a:lstStyle/>
+          <a:p>
+            <a:pPr algn="ctr"/>
+            <a:endParaRPr lang="ko-KR" altLang="en-US" sz="1100" dirty="0" smtClean="0">
+              <a:solidFill>
+                <a:schemeClr val="tx1">
+                  <a:lumMod val="75000"/>
+                  <a:lumOff val="25000"/>
+                </a:schemeClr>
+              </a:solidFill>
+              <a:latin typeface="Arial" pitchFamily="34" charset="0"/>
+              <a:ea typeface="HY그래픽M" pitchFamily="18" charset="-127"/>
+              <a:cs typeface="Arial" pitchFamily="34" charset="0"/>
+            </a:endParaRPr>
+          </a:p>
+        </p:txBody>
+      </p:sp>
+      <p:sp>
+        <p:nvSpPr>
+          <p:cNvPr id="68" name="직사각형 67"/>
+          <p:cNvSpPr/>
+          <p:nvPr/>
+        </p:nvSpPr>
+        <p:spPr>
+          <a:xfrm>
+            <a:off x="8913440" y="1804754"/>
+            <a:ext cx="360040" cy="216024"/>
+          </a:xfrm>
+          <a:prstGeom prst="rect">
+            <a:avLst/>
+          </a:prstGeom>
+          <a:noFill/>
+          <a:ln w="12700">
+            <a:noFill/>
+          </a:ln>
+        </p:spPr>
+        <p:style>
+          <a:lnRef idx="2">
+            <a:schemeClr val="accent1">
+              <a:shade val="50000"/>
+            </a:schemeClr>
+          </a:lnRef>
+          <a:fillRef idx="1">
+            <a:schemeClr val="accent1"/>
+          </a:fillRef>
+          <a:effectRef idx="0">
+            <a:schemeClr val="accent1"/>
+          </a:effectRef>
+          <a:fontRef idx="minor">
+            <a:schemeClr val="lt1"/>
+          </a:fontRef>
+        </p:style>
+        <p:txBody>
+          <a:bodyPr lIns="36000" tIns="36000" rIns="36000" bIns="36000" rtlCol="0" anchor="ctr"/>
+          <a:lstStyle/>
+          <a:p>
+            <a:pPr algn="ctr"/>
+            <a:endParaRPr lang="ko-KR" altLang="en-US" sz="1100" dirty="0" smtClean="0">
+              <a:solidFill>
+                <a:schemeClr val="tx1">
+                  <a:lumMod val="75000"/>
+                  <a:lumOff val="25000"/>
+                </a:schemeClr>
+              </a:solidFill>
+              <a:latin typeface="Arial" pitchFamily="34" charset="0"/>
+              <a:ea typeface="HY그래픽M" pitchFamily="18" charset="-127"/>
+              <a:cs typeface="Arial" pitchFamily="34" charset="0"/>
+            </a:endParaRPr>
+          </a:p>
+        </p:txBody>
+      </p:sp>
+      <p:cxnSp>
+        <p:nvCxnSpPr>
+          <p:cNvPr id="69" name="직선 화살표 연결선 68"/>
+          <p:cNvCxnSpPr>
+            <a:stCxn id="70" idx="2"/>
+            <a:endCxn id="15" idx="0"/>
+          </p:cNvCxnSpPr>
+          <p:nvPr/>
+        </p:nvCxnSpPr>
+        <p:spPr>
+          <a:xfrm>
+            <a:off x="1604628" y="1948770"/>
+            <a:ext cx="0" cy="288032"/>
+          </a:xfrm>
+          <a:prstGeom prst="straightConnector1">
+            <a:avLst/>
+          </a:prstGeom>
+          <a:ln w="12700">
+            <a:solidFill>
+              <a:schemeClr val="tx1">
+                <a:lumMod val="75000"/>
+                <a:lumOff val="25000"/>
+              </a:schemeClr>
+            </a:solidFill>
+            <a:prstDash val="solid"/>
+            <a:headEnd type="oval"/>
+            <a:tailEnd type="arrow"/>
+          </a:ln>
+        </p:spPr>
+        <p:style>
+          <a:lnRef idx="1">
+            <a:schemeClr val="accent1"/>
+          </a:lnRef>
+          <a:fillRef idx="0">
+            <a:schemeClr val="accent1"/>
+          </a:fillRef>
+          <a:effectRef idx="0">
+            <a:schemeClr val="accent1"/>
+          </a:effectRef>
+          <a:fontRef idx="minor">
+            <a:schemeClr val="tx1"/>
+          </a:fontRef>
+        </p:style>
+      </p:cxnSp>
+      <p:sp>
+        <p:nvSpPr>
+          <p:cNvPr id="70" name="직사각형 69"/>
+          <p:cNvSpPr/>
+          <p:nvPr/>
+        </p:nvSpPr>
+        <p:spPr>
+          <a:xfrm>
+            <a:off x="992560" y="1660738"/>
+            <a:ext cx="1224136" cy="288032"/>
+          </a:xfrm>
+          <a:prstGeom prst="rect">
+            <a:avLst/>
+          </a:prstGeom>
+          <a:noFill/>
+          <a:ln w="12700">
+            <a:noFill/>
+          </a:ln>
+        </p:spPr>
+        <p:style>
+          <a:lnRef idx="2">
+            <a:schemeClr val="accent1">
+              <a:shade val="50000"/>
+            </a:schemeClr>
+          </a:lnRef>
+          <a:fillRef idx="1">
+            <a:schemeClr val="accent1"/>
+          </a:fillRef>
+          <a:effectRef idx="0">
+            <a:schemeClr val="accent1"/>
+          </a:effectRef>
+          <a:fontRef idx="minor">
+            <a:schemeClr val="lt1"/>
+          </a:fontRef>
+        </p:style>
+        <p:txBody>
+          <a:bodyPr lIns="36000" tIns="36000" rIns="36000" bIns="36000" rtlCol="0" anchor="ctr"/>
+          <a:lstStyle/>
+          <a:p>
+            <a:pPr algn="ctr"/>
+            <a:r>
+              <a:rPr lang="en-US" altLang="ko-KR" sz="1100" dirty="0" smtClean="0">
+                <a:solidFill>
+                  <a:schemeClr val="tx1">
+                    <a:lumMod val="75000"/>
+                    <a:lumOff val="25000"/>
+                  </a:schemeClr>
+                </a:solidFill>
+                <a:latin typeface="Arial" pitchFamily="34" charset="0"/>
+                <a:ea typeface="HY그래픽M" pitchFamily="18" charset="-127"/>
+                <a:cs typeface="Arial" pitchFamily="34" charset="0"/>
+              </a:rPr>
+              <a:t>App Start</a:t>
+            </a:r>
+            <a:endParaRPr lang="ko-KR" altLang="en-US" sz="1100" dirty="0" smtClean="0">
+              <a:solidFill>
+                <a:schemeClr val="tx1">
+                  <a:lumMod val="75000"/>
+                  <a:lumOff val="25000"/>
+                </a:schemeClr>
+              </a:solidFill>
+              <a:latin typeface="Arial" pitchFamily="34" charset="0"/>
+              <a:ea typeface="HY그래픽M" pitchFamily="18" charset="-127"/>
+              <a:cs typeface="Arial" pitchFamily="34" charset="0"/>
+            </a:endParaRPr>
+          </a:p>
+        </p:txBody>
+      </p:sp>
+      <p:cxnSp>
+        <p:nvCxnSpPr>
+          <p:cNvPr id="71" name="Shape 177"/>
+          <p:cNvCxnSpPr>
+            <a:stCxn id="16" idx="2"/>
+            <a:endCxn id="16" idx="3"/>
+          </p:cNvCxnSpPr>
+          <p:nvPr/>
+        </p:nvCxnSpPr>
+        <p:spPr>
+          <a:xfrm rot="5400000" flipH="1" flipV="1">
+            <a:off x="1694638" y="4163016"/>
+            <a:ext cx="360040" cy="540060"/>
+          </a:xfrm>
+          <a:prstGeom prst="curvedConnector4">
+            <a:avLst>
+              <a:gd name="adj1" fmla="val -63493"/>
+              <a:gd name="adj2" fmla="val 142329"/>
+            </a:avLst>
+          </a:prstGeom>
+          <a:ln w="12700">
+            <a:solidFill>
+              <a:schemeClr val="tx1">
+                <a:lumMod val="75000"/>
+                <a:lumOff val="25000"/>
+              </a:schemeClr>
+            </a:solidFill>
+            <a:prstDash val="solid"/>
+            <a:tailEnd type="arrow"/>
+          </a:ln>
+        </p:spPr>
+        <p:style>
+          <a:lnRef idx="1">
+            <a:schemeClr val="accent1"/>
+          </a:lnRef>
+          <a:fillRef idx="0">
+            <a:schemeClr val="accent1"/>
+          </a:fillRef>
+          <a:effectRef idx="0">
+            <a:schemeClr val="accent1"/>
+          </a:effectRef>
+          <a:fontRef idx="minor">
+            <a:schemeClr val="tx1"/>
+          </a:fontRef>
+        </p:style>
+      </p:cxnSp>
+      <p:cxnSp>
+        <p:nvCxnSpPr>
+          <p:cNvPr id="72" name="Shape 178"/>
+          <p:cNvCxnSpPr>
+            <a:stCxn id="73" idx="2"/>
+            <a:endCxn id="23" idx="3"/>
+          </p:cNvCxnSpPr>
+          <p:nvPr/>
+        </p:nvCxnSpPr>
+        <p:spPr>
+          <a:xfrm rot="5400000" flipH="1" flipV="1">
+            <a:off x="8117160" y="2673042"/>
+            <a:ext cx="368424" cy="216024"/>
+          </a:xfrm>
+          <a:prstGeom prst="curvedConnector4">
+            <a:avLst>
+              <a:gd name="adj1" fmla="val -62048"/>
+              <a:gd name="adj2" fmla="val 205822"/>
+            </a:avLst>
+          </a:prstGeom>
+          <a:ln w="12700">
+            <a:solidFill>
+              <a:schemeClr val="tx1">
+                <a:lumMod val="75000"/>
+                <a:lumOff val="25000"/>
+              </a:schemeClr>
+            </a:solidFill>
+            <a:prstDash val="solid"/>
+            <a:tailEnd type="arrow"/>
+          </a:ln>
+        </p:spPr>
+        <p:style>
+          <a:lnRef idx="1">
+            <a:schemeClr val="accent1"/>
+          </a:lnRef>
+          <a:fillRef idx="0">
+            <a:schemeClr val="accent1"/>
+          </a:fillRef>
+          <a:effectRef idx="0">
+            <a:schemeClr val="accent1"/>
+          </a:effectRef>
+          <a:fontRef idx="minor">
+            <a:schemeClr val="tx1"/>
+          </a:fontRef>
+        </p:style>
+      </p:cxnSp>
+      <p:sp>
+        <p:nvSpPr>
+          <p:cNvPr id="73" name="직사각형 72"/>
+          <p:cNvSpPr/>
+          <p:nvPr/>
+        </p:nvSpPr>
+        <p:spPr>
+          <a:xfrm>
+            <a:off x="8049344" y="2749242"/>
+            <a:ext cx="288032" cy="216024"/>
+          </a:xfrm>
+          <a:prstGeom prst="rect">
+            <a:avLst/>
+          </a:prstGeom>
+          <a:noFill/>
+          <a:ln w="12700">
+            <a:noFill/>
+          </a:ln>
+        </p:spPr>
+        <p:style>
+          <a:lnRef idx="2">
+            <a:schemeClr val="accent1">
+              <a:shade val="50000"/>
+            </a:schemeClr>
+          </a:lnRef>
+          <a:fillRef idx="1">
+            <a:schemeClr val="accent1"/>
+          </a:fillRef>
+          <a:effectRef idx="0">
+            <a:schemeClr val="accent1"/>
+          </a:effectRef>
+          <a:fontRef idx="minor">
+            <a:schemeClr val="lt1"/>
+          </a:fontRef>
+        </p:style>
+        <p:txBody>
+          <a:bodyPr lIns="36000" tIns="36000" rIns="36000" bIns="36000" rtlCol="0" anchor="ctr"/>
+          <a:lstStyle/>
+          <a:p>
+            <a:pPr algn="ctr"/>
+            <a:endParaRPr lang="ko-KR" altLang="en-US" sz="1100" dirty="0" smtClean="0">
+              <a:solidFill>
+                <a:schemeClr val="tx1">
+                  <a:lumMod val="75000"/>
+                  <a:lumOff val="25000"/>
+                </a:schemeClr>
+              </a:solidFill>
+              <a:latin typeface="Arial" pitchFamily="34" charset="0"/>
+              <a:ea typeface="HY그래픽M" pitchFamily="18" charset="-127"/>
+              <a:cs typeface="Arial" pitchFamily="34" charset="0"/>
+            </a:endParaRPr>
+          </a:p>
+        </p:txBody>
+      </p:sp>
+      <p:cxnSp>
+        <p:nvCxnSpPr>
+          <p:cNvPr id="74" name="Shape 188"/>
+          <p:cNvCxnSpPr>
+            <a:stCxn id="91" idx="2"/>
+            <a:endCxn id="19" idx="3"/>
+          </p:cNvCxnSpPr>
+          <p:nvPr/>
+        </p:nvCxnSpPr>
+        <p:spPr>
+          <a:xfrm rot="5400000" flipH="1" flipV="1">
+            <a:off x="3803697" y="4322209"/>
+            <a:ext cx="354390" cy="216024"/>
+          </a:xfrm>
+          <a:prstGeom prst="curvedConnector4">
+            <a:avLst>
+              <a:gd name="adj1" fmla="val -66099"/>
+              <a:gd name="adj2" fmla="val 205822"/>
+            </a:avLst>
+          </a:prstGeom>
+          <a:ln w="12700">
+            <a:solidFill>
+              <a:schemeClr val="tx1">
+                <a:lumMod val="75000"/>
+                <a:lumOff val="25000"/>
+              </a:schemeClr>
+            </a:solidFill>
+            <a:prstDash val="solid"/>
+            <a:tailEnd type="arrow"/>
+          </a:ln>
+        </p:spPr>
+        <p:style>
+          <a:lnRef idx="1">
+            <a:schemeClr val="accent1"/>
+          </a:lnRef>
+          <a:fillRef idx="0">
+            <a:schemeClr val="accent1"/>
+          </a:fillRef>
+          <a:effectRef idx="0">
+            <a:schemeClr val="accent1"/>
+          </a:effectRef>
+          <a:fontRef idx="minor">
+            <a:schemeClr val="tx1"/>
+          </a:fontRef>
+        </p:style>
+      </p:cxnSp>
+      <p:cxnSp>
+        <p:nvCxnSpPr>
+          <p:cNvPr id="75" name="Shape 191"/>
+          <p:cNvCxnSpPr>
+            <a:stCxn id="89" idx="2"/>
+            <a:endCxn id="17" idx="3"/>
+          </p:cNvCxnSpPr>
+          <p:nvPr/>
+        </p:nvCxnSpPr>
+        <p:spPr>
+          <a:xfrm rot="5400000" flipH="1" flipV="1">
+            <a:off x="8129701" y="4316685"/>
+            <a:ext cx="343342" cy="216024"/>
+          </a:xfrm>
+          <a:prstGeom prst="curvedConnector4">
+            <a:avLst>
+              <a:gd name="adj1" fmla="val -71444"/>
+              <a:gd name="adj2" fmla="val 205822"/>
+            </a:avLst>
+          </a:prstGeom>
+          <a:ln w="12700">
+            <a:solidFill>
+              <a:schemeClr val="tx1">
+                <a:lumMod val="75000"/>
+                <a:lumOff val="25000"/>
+              </a:schemeClr>
+            </a:solidFill>
+            <a:prstDash val="solid"/>
+            <a:tailEnd type="arrow"/>
+          </a:ln>
+        </p:spPr>
+        <p:style>
+          <a:lnRef idx="1">
+            <a:schemeClr val="accent1"/>
+          </a:lnRef>
+          <a:fillRef idx="0">
+            <a:schemeClr val="accent1"/>
+          </a:fillRef>
+          <a:effectRef idx="0">
+            <a:schemeClr val="accent1"/>
+          </a:effectRef>
+          <a:fontRef idx="minor">
+            <a:schemeClr val="tx1"/>
+          </a:fontRef>
+        </p:style>
+      </p:cxnSp>
+      <p:cxnSp>
+        <p:nvCxnSpPr>
+          <p:cNvPr id="76" name="직선 화살표 연결선 75"/>
+          <p:cNvCxnSpPr>
+            <a:stCxn id="79" idx="0"/>
+          </p:cNvCxnSpPr>
+          <p:nvPr/>
+        </p:nvCxnSpPr>
+        <p:spPr>
+          <a:xfrm>
+            <a:off x="3548844" y="5013176"/>
+            <a:ext cx="5364596" cy="0"/>
+          </a:xfrm>
+          <a:prstGeom prst="straightConnector1">
+            <a:avLst/>
+          </a:prstGeom>
+          <a:ln w="12700">
+            <a:solidFill>
+              <a:schemeClr val="tx1">
+                <a:lumMod val="75000"/>
+                <a:lumOff val="25000"/>
+              </a:schemeClr>
+            </a:solidFill>
+            <a:prstDash val="sysDash"/>
+            <a:tailEnd type="none"/>
+          </a:ln>
+        </p:spPr>
+        <p:style>
+          <a:lnRef idx="1">
+            <a:schemeClr val="accent1"/>
+          </a:lnRef>
+          <a:fillRef idx="0">
+            <a:schemeClr val="accent1"/>
+          </a:fillRef>
+          <a:effectRef idx="0">
+            <a:schemeClr val="accent1"/>
+          </a:effectRef>
+          <a:fontRef idx="minor">
+            <a:schemeClr val="tx1"/>
+          </a:fontRef>
+        </p:style>
+      </p:cxnSp>
+      <p:cxnSp>
+        <p:nvCxnSpPr>
+          <p:cNvPr id="77" name="직선 화살표 연결선 76"/>
+          <p:cNvCxnSpPr/>
+          <p:nvPr/>
+        </p:nvCxnSpPr>
+        <p:spPr>
+          <a:xfrm flipV="1">
+            <a:off x="8913440" y="4221088"/>
+            <a:ext cx="0" cy="792088"/>
+          </a:xfrm>
+          <a:prstGeom prst="straightConnector1">
+            <a:avLst/>
+          </a:prstGeom>
+          <a:ln w="12700">
+            <a:solidFill>
+              <a:schemeClr val="tx1">
+                <a:lumMod val="75000"/>
+                <a:lumOff val="25000"/>
+              </a:schemeClr>
+            </a:solidFill>
+            <a:prstDash val="sysDash"/>
+            <a:tailEnd type="none"/>
+          </a:ln>
+        </p:spPr>
+        <p:style>
+          <a:lnRef idx="1">
+            <a:schemeClr val="accent1"/>
+          </a:lnRef>
+          <a:fillRef idx="0">
+            <a:schemeClr val="accent1"/>
+          </a:fillRef>
+          <a:effectRef idx="0">
+            <a:schemeClr val="accent1"/>
+          </a:effectRef>
+          <a:fontRef idx="minor">
+            <a:schemeClr val="tx1"/>
+          </a:fontRef>
+        </p:style>
+      </p:cxnSp>
+      <p:cxnSp>
+        <p:nvCxnSpPr>
+          <p:cNvPr id="78" name="직선 화살표 연결선 77"/>
+          <p:cNvCxnSpPr>
+            <a:stCxn id="19" idx="2"/>
+            <a:endCxn id="79" idx="0"/>
+          </p:cNvCxnSpPr>
+          <p:nvPr/>
+        </p:nvCxnSpPr>
+        <p:spPr>
+          <a:xfrm>
+            <a:off x="3548844" y="4613066"/>
+            <a:ext cx="0" cy="400110"/>
+          </a:xfrm>
+          <a:prstGeom prst="straightConnector1">
+            <a:avLst/>
+          </a:prstGeom>
+          <a:ln w="12700">
+            <a:solidFill>
+              <a:schemeClr val="tx1">
+                <a:lumMod val="75000"/>
+                <a:lumOff val="25000"/>
+              </a:schemeClr>
+            </a:solidFill>
+            <a:prstDash val="sysDash"/>
+            <a:tailEnd type="none"/>
+          </a:ln>
+        </p:spPr>
+        <p:style>
+          <a:lnRef idx="1">
+            <a:schemeClr val="accent1"/>
+          </a:lnRef>
+          <a:fillRef idx="0">
+            <a:schemeClr val="accent1"/>
+          </a:fillRef>
+          <a:effectRef idx="0">
+            <a:schemeClr val="accent1"/>
+          </a:effectRef>
+          <a:fontRef idx="minor">
+            <a:schemeClr val="tx1"/>
+          </a:fontRef>
+        </p:style>
+      </p:cxnSp>
+      <p:sp>
+        <p:nvSpPr>
+          <p:cNvPr id="79" name="직사각형 78"/>
+          <p:cNvSpPr/>
+          <p:nvPr/>
+        </p:nvSpPr>
+        <p:spPr>
+          <a:xfrm>
+            <a:off x="3368824" y="5013176"/>
+            <a:ext cx="360040" cy="216024"/>
+          </a:xfrm>
+          <a:prstGeom prst="rect">
+            <a:avLst/>
+          </a:prstGeom>
+          <a:noFill/>
+          <a:ln w="12700">
+            <a:noFill/>
+          </a:ln>
+        </p:spPr>
+        <p:style>
+          <a:lnRef idx="2">
+            <a:schemeClr val="accent1">
+              <a:shade val="50000"/>
+            </a:schemeClr>
+          </a:lnRef>
+          <a:fillRef idx="1">
+            <a:schemeClr val="accent1"/>
+          </a:fillRef>
+          <a:effectRef idx="0">
+            <a:schemeClr val="accent1"/>
+          </a:effectRef>
+          <a:fontRef idx="minor">
+            <a:schemeClr val="lt1"/>
+          </a:fontRef>
+        </p:style>
+        <p:txBody>
+          <a:bodyPr lIns="36000" tIns="36000" rIns="36000" bIns="36000" rtlCol="0" anchor="ctr"/>
+          <a:lstStyle/>
+          <a:p>
+            <a:pPr algn="ctr"/>
+            <a:endParaRPr lang="ko-KR" altLang="en-US" sz="1100" dirty="0" smtClean="0">
+              <a:solidFill>
+                <a:schemeClr val="tx1">
+                  <a:lumMod val="75000"/>
+                  <a:lumOff val="25000"/>
+                </a:schemeClr>
+              </a:solidFill>
+              <a:latin typeface="Arial" pitchFamily="34" charset="0"/>
+              <a:ea typeface="HY그래픽M" pitchFamily="18" charset="-127"/>
+              <a:cs typeface="Arial" pitchFamily="34" charset="0"/>
+            </a:endParaRPr>
+          </a:p>
+        </p:txBody>
+      </p:sp>
+      <p:sp>
+        <p:nvSpPr>
+          <p:cNvPr id="80" name="직사각형 79"/>
+          <p:cNvSpPr/>
+          <p:nvPr/>
+        </p:nvSpPr>
+        <p:spPr>
+          <a:xfrm>
+            <a:off x="4698515" y="5013176"/>
+            <a:ext cx="504056" cy="216024"/>
+          </a:xfrm>
+          <a:prstGeom prst="rect">
+            <a:avLst/>
+          </a:prstGeom>
+          <a:noFill/>
+          <a:ln w="12700">
+            <a:noFill/>
+          </a:ln>
+        </p:spPr>
+        <p:style>
+          <a:lnRef idx="2">
+            <a:schemeClr val="accent1">
+              <a:shade val="50000"/>
+            </a:schemeClr>
+          </a:lnRef>
+          <a:fillRef idx="1">
+            <a:schemeClr val="accent1"/>
+          </a:fillRef>
+          <a:effectRef idx="0">
+            <a:schemeClr val="accent1"/>
+          </a:effectRef>
+          <a:fontRef idx="minor">
+            <a:schemeClr val="lt1"/>
+          </a:fontRef>
+        </p:style>
+        <p:txBody>
+          <a:bodyPr lIns="36000" tIns="36000" rIns="36000" bIns="36000" rtlCol="0" anchor="ctr"/>
+          <a:lstStyle/>
+          <a:p>
+            <a:pPr algn="ctr"/>
+            <a:endParaRPr lang="ko-KR" altLang="en-US" sz="1100" dirty="0" smtClean="0">
+              <a:solidFill>
+                <a:schemeClr val="tx1">
+                  <a:lumMod val="75000"/>
+                  <a:lumOff val="25000"/>
+                </a:schemeClr>
+              </a:solidFill>
+              <a:latin typeface="Arial" pitchFamily="34" charset="0"/>
+              <a:ea typeface="HY그래픽M" pitchFamily="18" charset="-127"/>
+              <a:cs typeface="Arial" pitchFamily="34" charset="0"/>
+            </a:endParaRPr>
+          </a:p>
+        </p:txBody>
+      </p:sp>
+      <p:sp>
+        <p:nvSpPr>
+          <p:cNvPr id="81" name="직사각형 80"/>
+          <p:cNvSpPr/>
+          <p:nvPr/>
+        </p:nvSpPr>
+        <p:spPr>
+          <a:xfrm>
+            <a:off x="6249144" y="5013176"/>
+            <a:ext cx="360040" cy="216024"/>
+          </a:xfrm>
+          <a:prstGeom prst="rect">
+            <a:avLst/>
+          </a:prstGeom>
+          <a:noFill/>
+          <a:ln w="12700">
+            <a:noFill/>
+          </a:ln>
+        </p:spPr>
+        <p:style>
+          <a:lnRef idx="2">
+            <a:schemeClr val="accent1">
+              <a:shade val="50000"/>
+            </a:schemeClr>
+          </a:lnRef>
+          <a:fillRef idx="1">
+            <a:schemeClr val="accent1"/>
+          </a:fillRef>
+          <a:effectRef idx="0">
+            <a:schemeClr val="accent1"/>
+          </a:effectRef>
+          <a:fontRef idx="minor">
+            <a:schemeClr val="lt1"/>
+          </a:fontRef>
+        </p:style>
+        <p:txBody>
+          <a:bodyPr lIns="36000" tIns="36000" rIns="36000" bIns="36000" rtlCol="0" anchor="ctr"/>
+          <a:lstStyle/>
+          <a:p>
+            <a:pPr algn="ctr"/>
+            <a:endParaRPr lang="ko-KR" altLang="en-US" sz="1100" dirty="0" smtClean="0">
+              <a:solidFill>
+                <a:schemeClr val="tx1">
+                  <a:lumMod val="75000"/>
+                  <a:lumOff val="25000"/>
+                </a:schemeClr>
+              </a:solidFill>
+              <a:latin typeface="Arial" pitchFamily="34" charset="0"/>
+              <a:ea typeface="HY그래픽M" pitchFamily="18" charset="-127"/>
+              <a:cs typeface="Arial" pitchFamily="34" charset="0"/>
+            </a:endParaRPr>
+          </a:p>
+        </p:txBody>
+      </p:sp>
+      <p:cxnSp>
+        <p:nvCxnSpPr>
+          <p:cNvPr id="82" name="직선 화살표 연결선 81"/>
+          <p:cNvCxnSpPr>
+            <a:stCxn id="20" idx="2"/>
+            <a:endCxn id="80" idx="0"/>
+          </p:cNvCxnSpPr>
+          <p:nvPr/>
+        </p:nvCxnSpPr>
+        <p:spPr>
+          <a:xfrm>
+            <a:off x="4950543" y="4613066"/>
+            <a:ext cx="0" cy="400110"/>
+          </a:xfrm>
+          <a:prstGeom prst="straightConnector1">
+            <a:avLst/>
+          </a:prstGeom>
+          <a:ln w="12700">
+            <a:solidFill>
+              <a:schemeClr val="tx1">
+                <a:lumMod val="75000"/>
+                <a:lumOff val="25000"/>
+              </a:schemeClr>
+            </a:solidFill>
+            <a:prstDash val="sysDash"/>
+            <a:tailEnd type="none"/>
+          </a:ln>
+        </p:spPr>
+        <p:style>
+          <a:lnRef idx="1">
+            <a:schemeClr val="accent1"/>
+          </a:lnRef>
+          <a:fillRef idx="0">
+            <a:schemeClr val="accent1"/>
+          </a:fillRef>
+          <a:effectRef idx="0">
+            <a:schemeClr val="accent1"/>
+          </a:effectRef>
+          <a:fontRef idx="minor">
+            <a:schemeClr val="tx1"/>
+          </a:fontRef>
+        </p:style>
+      </p:cxnSp>
+      <p:cxnSp>
+        <p:nvCxnSpPr>
+          <p:cNvPr id="83" name="직선 화살표 연결선 82"/>
+          <p:cNvCxnSpPr>
+            <a:stCxn id="21" idx="2"/>
+            <a:endCxn id="81" idx="0"/>
+          </p:cNvCxnSpPr>
+          <p:nvPr/>
+        </p:nvCxnSpPr>
+        <p:spPr>
+          <a:xfrm>
+            <a:off x="6429164" y="4613066"/>
+            <a:ext cx="0" cy="400110"/>
+          </a:xfrm>
+          <a:prstGeom prst="straightConnector1">
+            <a:avLst/>
+          </a:prstGeom>
+          <a:ln w="12700">
+            <a:solidFill>
+              <a:schemeClr val="tx1">
+                <a:lumMod val="75000"/>
+                <a:lumOff val="25000"/>
+              </a:schemeClr>
+            </a:solidFill>
+            <a:prstDash val="sysDash"/>
+            <a:tailEnd type="none"/>
+          </a:ln>
+        </p:spPr>
+        <p:style>
+          <a:lnRef idx="1">
+            <a:schemeClr val="accent1"/>
+          </a:lnRef>
+          <a:fillRef idx="0">
+            <a:schemeClr val="accent1"/>
+          </a:fillRef>
+          <a:effectRef idx="0">
+            <a:schemeClr val="accent1"/>
+          </a:effectRef>
+          <a:fontRef idx="minor">
+            <a:schemeClr val="tx1"/>
+          </a:fontRef>
+        </p:style>
+      </p:cxnSp>
+      <p:cxnSp>
+        <p:nvCxnSpPr>
+          <p:cNvPr id="84" name="Shape 237"/>
+          <p:cNvCxnSpPr>
+            <a:stCxn id="90" idx="2"/>
+            <a:endCxn id="20" idx="3"/>
+          </p:cNvCxnSpPr>
+          <p:nvPr/>
+        </p:nvCxnSpPr>
+        <p:spPr>
+          <a:xfrm rot="5400000" flipH="1" flipV="1">
+            <a:off x="5194146" y="4299911"/>
+            <a:ext cx="343342" cy="249571"/>
+          </a:xfrm>
+          <a:prstGeom prst="curvedConnector4">
+            <a:avLst>
+              <a:gd name="adj1" fmla="val -71444"/>
+              <a:gd name="adj2" fmla="val 191597"/>
+            </a:avLst>
+          </a:prstGeom>
+          <a:ln w="12700">
+            <a:solidFill>
+              <a:schemeClr val="tx1">
+                <a:lumMod val="75000"/>
+                <a:lumOff val="25000"/>
+              </a:schemeClr>
+            </a:solidFill>
+            <a:prstDash val="solid"/>
+            <a:tailEnd type="arrow"/>
+          </a:ln>
+        </p:spPr>
+        <p:style>
+          <a:lnRef idx="1">
+            <a:schemeClr val="accent1"/>
+          </a:lnRef>
+          <a:fillRef idx="0">
+            <a:schemeClr val="accent1"/>
+          </a:fillRef>
+          <a:effectRef idx="0">
+            <a:schemeClr val="accent1"/>
+          </a:effectRef>
+          <a:fontRef idx="minor">
+            <a:schemeClr val="tx1"/>
+          </a:fontRef>
+        </p:style>
+      </p:cxnSp>
+      <p:sp>
+        <p:nvSpPr>
+          <p:cNvPr id="85" name="TextBox 84"/>
+          <p:cNvSpPr txBox="1"/>
+          <p:nvPr/>
+        </p:nvSpPr>
+        <p:spPr>
+          <a:xfrm>
+            <a:off x="1812574" y="3244914"/>
+            <a:ext cx="718466" cy="400110"/>
+          </a:xfrm>
+          <a:prstGeom prst="rect">
+            <a:avLst/>
+          </a:prstGeom>
+          <a:solidFill>
+            <a:schemeClr val="bg1"/>
+          </a:solidFill>
+        </p:spPr>
+        <p:txBody>
+          <a:bodyPr wrap="none" rtlCol="0">
+            <a:spAutoFit/>
+          </a:bodyPr>
+          <a:lstStyle/>
+          <a:p>
+            <a:pPr algn="ctr"/>
+            <a:r>
+              <a:rPr lang="en-US" altLang="ko-KR" sz="1000" dirty="0" smtClean="0">
+                <a:solidFill>
+                  <a:schemeClr val="tx1">
+                    <a:lumMod val="50000"/>
+                    <a:lumOff val="50000"/>
+                  </a:schemeClr>
+                </a:solidFill>
+                <a:latin typeface="Arial" pitchFamily="34" charset="0"/>
+                <a:ea typeface="HY그래픽M" pitchFamily="18" charset="-127"/>
+                <a:cs typeface="Arial" pitchFamily="34" charset="0"/>
+              </a:rPr>
+              <a:t>Choose</a:t>
+            </a:r>
+          </a:p>
+          <a:p>
+            <a:pPr algn="ctr"/>
+            <a:r>
+              <a:rPr lang="en-US" altLang="ko-KR" sz="1000" dirty="0" smtClean="0">
+                <a:solidFill>
+                  <a:schemeClr val="tx1">
+                    <a:lumMod val="50000"/>
+                    <a:lumOff val="50000"/>
+                  </a:schemeClr>
+                </a:solidFill>
+                <a:latin typeface="Arial" pitchFamily="34" charset="0"/>
+                <a:ea typeface="HY그래픽M" pitchFamily="18" charset="-127"/>
+                <a:cs typeface="Arial" pitchFamily="34" charset="0"/>
+              </a:rPr>
+              <a:t>Welcome</a:t>
+            </a:r>
+            <a:endParaRPr lang="ko-KR" altLang="en-US" sz="1000" dirty="0" smtClean="0">
+              <a:solidFill>
+                <a:schemeClr val="tx1">
+                  <a:lumMod val="50000"/>
+                  <a:lumOff val="50000"/>
+                </a:schemeClr>
+              </a:solidFill>
+              <a:latin typeface="Arial" pitchFamily="34" charset="0"/>
+              <a:ea typeface="HY그래픽M" pitchFamily="18" charset="-127"/>
+              <a:cs typeface="Arial" pitchFamily="34" charset="0"/>
+            </a:endParaRPr>
+          </a:p>
+        </p:txBody>
+      </p:sp>
+      <p:cxnSp>
+        <p:nvCxnSpPr>
+          <p:cNvPr id="86" name="직선 화살표 연결선 85"/>
+          <p:cNvCxnSpPr/>
+          <p:nvPr/>
+        </p:nvCxnSpPr>
+        <p:spPr>
+          <a:xfrm>
+            <a:off x="1856656" y="2956882"/>
+            <a:ext cx="0" cy="936104"/>
+          </a:xfrm>
+          <a:prstGeom prst="straightConnector1">
+            <a:avLst/>
+          </a:prstGeom>
+          <a:ln w="12700">
+            <a:solidFill>
+              <a:schemeClr val="tx1">
+                <a:lumMod val="75000"/>
+                <a:lumOff val="25000"/>
+              </a:schemeClr>
+            </a:solidFill>
+            <a:prstDash val="sysDash"/>
+            <a:headEnd type="arrow"/>
+            <a:tailEnd type="none"/>
+          </a:ln>
+        </p:spPr>
+        <p:style>
+          <a:lnRef idx="1">
+            <a:schemeClr val="accent1"/>
+          </a:lnRef>
+          <a:fillRef idx="0">
+            <a:schemeClr val="accent1"/>
+          </a:fillRef>
+          <a:effectRef idx="0">
+            <a:schemeClr val="accent1"/>
+          </a:effectRef>
+          <a:fontRef idx="minor">
+            <a:schemeClr val="tx1"/>
+          </a:fontRef>
+        </p:style>
+      </p:cxnSp>
+      <p:sp>
+        <p:nvSpPr>
+          <p:cNvPr id="87" name="직사각형 86"/>
+          <p:cNvSpPr/>
+          <p:nvPr/>
+        </p:nvSpPr>
+        <p:spPr>
+          <a:xfrm>
+            <a:off x="7617296" y="5013176"/>
+            <a:ext cx="504056" cy="216024"/>
+          </a:xfrm>
+          <a:prstGeom prst="rect">
+            <a:avLst/>
+          </a:prstGeom>
+          <a:noFill/>
+          <a:ln w="12700">
+            <a:noFill/>
+          </a:ln>
+        </p:spPr>
+        <p:style>
+          <a:lnRef idx="2">
+            <a:schemeClr val="accent1">
+              <a:shade val="50000"/>
+            </a:schemeClr>
+          </a:lnRef>
+          <a:fillRef idx="1">
+            <a:schemeClr val="accent1"/>
+          </a:fillRef>
+          <a:effectRef idx="0">
+            <a:schemeClr val="accent1"/>
+          </a:effectRef>
+          <a:fontRef idx="minor">
+            <a:schemeClr val="lt1"/>
+          </a:fontRef>
+        </p:style>
+        <p:txBody>
+          <a:bodyPr lIns="36000" tIns="36000" rIns="36000" bIns="36000" rtlCol="0" anchor="ctr"/>
+          <a:lstStyle/>
+          <a:p>
+            <a:pPr algn="ctr"/>
+            <a:endParaRPr lang="ko-KR" altLang="en-US" sz="1100" dirty="0" smtClean="0">
+              <a:solidFill>
+                <a:schemeClr val="tx1">
+                  <a:lumMod val="75000"/>
+                  <a:lumOff val="25000"/>
+                </a:schemeClr>
+              </a:solidFill>
+              <a:latin typeface="Arial" pitchFamily="34" charset="0"/>
+              <a:ea typeface="HY그래픽M" pitchFamily="18" charset="-127"/>
+              <a:cs typeface="Arial" pitchFamily="34" charset="0"/>
+            </a:endParaRPr>
+          </a:p>
+        </p:txBody>
+      </p:sp>
+      <p:cxnSp>
+        <p:nvCxnSpPr>
+          <p:cNvPr id="88" name="직선 화살표 연결선 87"/>
+          <p:cNvCxnSpPr>
+            <a:stCxn id="17" idx="2"/>
+            <a:endCxn id="87" idx="0"/>
+          </p:cNvCxnSpPr>
+          <p:nvPr/>
+        </p:nvCxnSpPr>
+        <p:spPr>
+          <a:xfrm>
+            <a:off x="7869324" y="4613066"/>
+            <a:ext cx="0" cy="400110"/>
+          </a:xfrm>
+          <a:prstGeom prst="straightConnector1">
+            <a:avLst/>
+          </a:prstGeom>
+          <a:ln w="12700">
+            <a:solidFill>
+              <a:schemeClr val="tx1">
+                <a:lumMod val="75000"/>
+                <a:lumOff val="25000"/>
+              </a:schemeClr>
+            </a:solidFill>
+            <a:prstDash val="sysDash"/>
+            <a:tailEnd type="none"/>
+          </a:ln>
+        </p:spPr>
+        <p:style>
+          <a:lnRef idx="1">
+            <a:schemeClr val="accent1"/>
+          </a:lnRef>
+          <a:fillRef idx="0">
+            <a:schemeClr val="accent1"/>
+          </a:fillRef>
+          <a:effectRef idx="0">
+            <a:schemeClr val="accent1"/>
+          </a:effectRef>
+          <a:fontRef idx="minor">
+            <a:schemeClr val="tx1"/>
+          </a:fontRef>
+        </p:style>
+      </p:cxnSp>
+      <p:sp>
+        <p:nvSpPr>
+          <p:cNvPr id="89" name="직사각형 88"/>
+          <p:cNvSpPr/>
+          <p:nvPr/>
+        </p:nvSpPr>
+        <p:spPr>
+          <a:xfrm>
+            <a:off x="8049344" y="4380344"/>
+            <a:ext cx="288032" cy="216024"/>
+          </a:xfrm>
+          <a:prstGeom prst="rect">
+            <a:avLst/>
+          </a:prstGeom>
+          <a:noFill/>
+          <a:ln w="12700">
+            <a:noFill/>
+          </a:ln>
+        </p:spPr>
+        <p:style>
+          <a:lnRef idx="2">
+            <a:schemeClr val="accent1">
+              <a:shade val="50000"/>
+            </a:schemeClr>
+          </a:lnRef>
+          <a:fillRef idx="1">
+            <a:schemeClr val="accent1"/>
+          </a:fillRef>
+          <a:effectRef idx="0">
+            <a:schemeClr val="accent1"/>
+          </a:effectRef>
+          <a:fontRef idx="minor">
+            <a:schemeClr val="lt1"/>
+          </a:fontRef>
+        </p:style>
+        <p:txBody>
+          <a:bodyPr lIns="36000" tIns="36000" rIns="36000" bIns="36000" rtlCol="0" anchor="ctr"/>
+          <a:lstStyle/>
+          <a:p>
+            <a:pPr algn="ctr"/>
+            <a:endParaRPr lang="ko-KR" altLang="en-US" sz="1100" dirty="0" smtClean="0">
+              <a:solidFill>
+                <a:schemeClr val="tx1">
+                  <a:lumMod val="75000"/>
+                  <a:lumOff val="25000"/>
+                </a:schemeClr>
+              </a:solidFill>
+              <a:latin typeface="Arial" pitchFamily="34" charset="0"/>
+              <a:ea typeface="HY그래픽M" pitchFamily="18" charset="-127"/>
+              <a:cs typeface="Arial" pitchFamily="34" charset="0"/>
+            </a:endParaRPr>
+          </a:p>
+        </p:txBody>
+      </p:sp>
+      <p:sp>
+        <p:nvSpPr>
+          <p:cNvPr id="90" name="직사각형 89"/>
+          <p:cNvSpPr/>
+          <p:nvPr/>
+        </p:nvSpPr>
+        <p:spPr>
+          <a:xfrm>
+            <a:off x="5097016" y="4380344"/>
+            <a:ext cx="288032" cy="216024"/>
+          </a:xfrm>
+          <a:prstGeom prst="rect">
+            <a:avLst/>
+          </a:prstGeom>
+          <a:noFill/>
+          <a:ln w="12700">
+            <a:noFill/>
+          </a:ln>
+        </p:spPr>
+        <p:style>
+          <a:lnRef idx="2">
+            <a:schemeClr val="accent1">
+              <a:shade val="50000"/>
+            </a:schemeClr>
+          </a:lnRef>
+          <a:fillRef idx="1">
+            <a:schemeClr val="accent1"/>
+          </a:fillRef>
+          <a:effectRef idx="0">
+            <a:schemeClr val="accent1"/>
+          </a:effectRef>
+          <a:fontRef idx="minor">
+            <a:schemeClr val="lt1"/>
+          </a:fontRef>
+        </p:style>
+        <p:txBody>
+          <a:bodyPr lIns="36000" tIns="36000" rIns="36000" bIns="36000" rtlCol="0" anchor="ctr"/>
+          <a:lstStyle/>
+          <a:p>
+            <a:pPr algn="ctr"/>
+            <a:endParaRPr lang="ko-KR" altLang="en-US" sz="1100" dirty="0" smtClean="0">
+              <a:solidFill>
+                <a:schemeClr val="tx1">
+                  <a:lumMod val="75000"/>
+                  <a:lumOff val="25000"/>
+                </a:schemeClr>
+              </a:solidFill>
+              <a:latin typeface="Arial" pitchFamily="34" charset="0"/>
+              <a:ea typeface="HY그래픽M" pitchFamily="18" charset="-127"/>
+              <a:cs typeface="Arial" pitchFamily="34" charset="0"/>
+            </a:endParaRPr>
+          </a:p>
+        </p:txBody>
+      </p:sp>
+      <p:sp>
+        <p:nvSpPr>
+          <p:cNvPr id="91" name="직사각형 90"/>
+          <p:cNvSpPr/>
+          <p:nvPr/>
+        </p:nvSpPr>
+        <p:spPr>
+          <a:xfrm>
+            <a:off x="3728864" y="4391392"/>
+            <a:ext cx="288032" cy="216024"/>
+          </a:xfrm>
+          <a:prstGeom prst="rect">
+            <a:avLst/>
+          </a:prstGeom>
+          <a:noFill/>
+          <a:ln w="12700">
+            <a:noFill/>
+          </a:ln>
+        </p:spPr>
+        <p:style>
+          <a:lnRef idx="2">
+            <a:schemeClr val="accent1">
+              <a:shade val="50000"/>
+            </a:schemeClr>
+          </a:lnRef>
+          <a:fillRef idx="1">
+            <a:schemeClr val="accent1"/>
+          </a:fillRef>
+          <a:effectRef idx="0">
+            <a:schemeClr val="accent1"/>
+          </a:effectRef>
+          <a:fontRef idx="minor">
+            <a:schemeClr val="lt1"/>
+          </a:fontRef>
+        </p:style>
+        <p:txBody>
+          <a:bodyPr lIns="36000" tIns="36000" rIns="36000" bIns="36000" rtlCol="0" anchor="ctr"/>
+          <a:lstStyle/>
+          <a:p>
+            <a:pPr algn="ctr"/>
+            <a:endParaRPr lang="ko-KR" altLang="en-US" sz="1100" dirty="0" smtClean="0">
+              <a:solidFill>
+                <a:schemeClr val="tx1">
+                  <a:lumMod val="75000"/>
+                  <a:lumOff val="25000"/>
+                </a:schemeClr>
+              </a:solidFill>
+              <a:latin typeface="Arial" pitchFamily="34" charset="0"/>
+              <a:ea typeface="HY그래픽M" pitchFamily="18" charset="-127"/>
+              <a:cs typeface="Arial" pitchFamily="34" charset="0"/>
+            </a:endParaRPr>
+          </a:p>
+        </p:txBody>
+      </p:sp>
+    </p:spTree>
+    <p:extLst>
+      <p:ext uri="{BB962C8B-B14F-4D97-AF65-F5344CB8AC3E}">
+        <p14:creationId xmlns:p14="http://schemas.microsoft.com/office/powerpoint/2010/main" val="455763924"/>
+      </p:ext>
+    </p:extLst>
+  </p:cSld>
+  <p:clrMapOvr>
+    <a:masterClrMapping/>
+  </p:clrMapOvr>
+  <p:timing>
+    <p:tnLst>
+      <p:par>
+        <p:cTn id="1" dur="indefinite" restart="never" nodeType="tmRoot"/>
+      </p:par>
+    </p:tnLst>
+  </p:timing>
+</p:sld>
+</file>
+
 <file path=ppt/slides/slide2.xml><?xml version="1.0" encoding="utf-8"?>
 <p:sld xmlns:a="http://schemas.openxmlformats.org/drawingml/2006/main" xmlns:r="http://schemas.openxmlformats.org/officeDocument/2006/relationships" xmlns:p="http://schemas.openxmlformats.org/presentationml/2006/main">
   <p:cSld>
@@ -12621,7 +17581,7 @@
         </p:nvSpPr>
         <p:spPr>
           <a:xfrm>
-            <a:off x="4649603" y="3920946"/>
+            <a:off x="4649599" y="3956645"/>
             <a:ext cx="1035899" cy="599399"/>
           </a:xfrm>
           <a:prstGeom prst="rect">
@@ -12647,7 +17607,7 @@
               <a:buNone/>
             </a:pPr>
             <a:r>
-              <a:rPr lang="ko" sz="1300"/>
+              <a:rPr lang="ko" sz="1300" dirty="0"/>
               <a:t>SA Node</a:t>
             </a:r>
           </a:p>
@@ -12661,7 +17621,7 @@
         </p:nvSpPr>
         <p:spPr>
           <a:xfrm>
-            <a:off x="2065281" y="4083383"/>
+            <a:off x="2084598" y="3950175"/>
             <a:ext cx="1795799" cy="599399"/>
           </a:xfrm>
           <a:prstGeom prst="rect">
@@ -12687,7 +17647,7 @@
               <a:buNone/>
             </a:pPr>
             <a:r>
-              <a:rPr lang="ko" sz="1300"/>
+              <a:rPr lang="ko" sz="1300" dirty="0"/>
               <a:t>User App</a:t>
             </a:r>
           </a:p>
@@ -13650,7 +18610,7 @@
             <a:prstDash val="sysDot"/>
             <a:round/>
             <a:headEnd type="none" w="lg" len="lg"/>
-            <a:tailEnd type="none" w="lg" len="lg"/>
+            <a:tailEnd type="stealth" w="lg" len="med"/>
           </a:ln>
         </p:spPr>
       </p:cxnSp>
@@ -13762,9 +18722,14 @@
               <a:buNone/>
             </a:pPr>
             <a:r>
-              <a:rPr lang="ko" sz="1200"/>
-              <a:t>Data Access</a:t>
+              <a:rPr lang="ko" sz="1200" dirty="0"/>
+              <a:t>Data </a:t>
             </a:r>
+            <a:r>
+              <a:rPr lang="en-US" altLang="ko" sz="1200" dirty="0" smtClean="0"/>
+              <a:t>Flow</a:t>
+            </a:r>
+            <a:endParaRPr lang="ko" sz="1200" dirty="0"/>
           </a:p>
         </p:txBody>
       </p:sp>
@@ -14255,8 +19220,8 @@
             </a:solidFill>
             <a:prstDash val="sysDot"/>
             <a:round/>
-            <a:headEnd type="none" w="lg" len="lg"/>
-            <a:tailEnd type="none" w="lg" len="lg"/>
+            <a:headEnd type="none" w="lg" len="med"/>
+            <a:tailEnd type="stealth" w="lg" len="med"/>
           </a:ln>
         </p:spPr>
       </p:cxnSp>
@@ -14325,14 +19290,13 @@
           <p:cNvPr id="116" name="Shape 116"/>
           <p:cNvCxnSpPr>
             <a:stCxn id="115" idx="3"/>
-            <a:endCxn id="117" idx="3"/>
           </p:cNvCxnSpPr>
           <p:nvPr/>
         </p:nvCxnSpPr>
         <p:spPr>
           <a:xfrm rot="5400000">
-            <a:off x="6134360" y="1399812"/>
-            <a:ext cx="464400" cy="2565300"/>
+            <a:off x="6188392" y="1345906"/>
+            <a:ext cx="356462" cy="2565174"/>
           </a:xfrm>
           <a:prstGeom prst="bentConnector2">
             <a:avLst/>
@@ -14345,7 +19309,7 @@
             <a:prstDash val="sysDot"/>
             <a:round/>
             <a:headEnd type="none" w="lg" len="lg"/>
-            <a:tailEnd type="none" w="lg" len="lg"/>
+            <a:tailEnd type="stealth" w="lg" len="lg"/>
           </a:ln>
         </p:spPr>
       </p:cxnSp>
@@ -14375,7 +19339,7 @@
             </a:solidFill>
             <a:prstDash val="sysDot"/>
             <a:round/>
-            <a:headEnd type="none" w="lg" len="lg"/>
+            <a:headEnd type="stealth" w="lg" len="med"/>
             <a:tailEnd type="none" w="lg" len="lg"/>
           </a:ln>
         </p:spPr>
@@ -15406,8 +20370,8 @@
             </a:solidFill>
             <a:prstDash val="sysDot"/>
             <a:round/>
-            <a:headEnd type="none" w="lg" len="lg"/>
-            <a:tailEnd type="none" w="lg" len="lg"/>
+            <a:headEnd type="stealth" w="lg" len="lg"/>
+            <a:tailEnd type="none" w="lg" len="med"/>
           </a:ln>
         </p:spPr>
       </p:cxnSp>
@@ -15646,7 +20610,7 @@
             </a:solidFill>
             <a:prstDash val="sysDot"/>
             <a:round/>
-            <a:headEnd type="none" w="lg" len="lg"/>
+            <a:headEnd type="stealth" w="lg" len="med"/>
             <a:tailEnd type="none" w="lg" len="lg"/>
           </a:ln>
         </p:spPr>
@@ -15802,6 +20766,47 @@
             <a:tailEnd type="stealth" w="lg" len="med"/>
           </a:ln>
         </p:spPr>
+      </p:cxnSp>
+      <p:cxnSp>
+        <p:nvCxnSpPr>
+          <p:cNvPr id="7" name="꺾인 연결선 6"/>
+          <p:cNvCxnSpPr>
+            <a:stCxn id="98" idx="3"/>
+          </p:cNvCxnSpPr>
+          <p:nvPr/>
+        </p:nvCxnSpPr>
+        <p:spPr>
+          <a:xfrm flipV="1">
+            <a:off x="5084199" y="2441821"/>
+            <a:ext cx="2817286" cy="541804"/>
+          </a:xfrm>
+          <a:prstGeom prst="bentConnector3">
+            <a:avLst>
+              <a:gd name="adj1" fmla="val 100131"/>
+            </a:avLst>
+          </a:prstGeom>
+          <a:ln w="19050">
+            <a:solidFill>
+              <a:schemeClr val="tx1"/>
+            </a:solidFill>
+            <a:prstDash val="sysDot"/>
+            <a:tailEnd type="stealth" w="lg" len="med"/>
+          </a:ln>
+        </p:spPr>
+        <p:style>
+          <a:lnRef idx="1">
+            <a:schemeClr val="accent1"/>
+          </a:lnRef>
+          <a:fillRef idx="0">
+            <a:schemeClr val="accent1"/>
+          </a:fillRef>
+          <a:effectRef idx="0">
+            <a:schemeClr val="accent1"/>
+          </a:effectRef>
+          <a:fontRef idx="minor">
+            <a:schemeClr val="tx1"/>
+          </a:fontRef>
+        </p:style>
       </p:cxnSp>
     </p:spTree>
   </p:cSld>
